--- a/doc/Introduction of Nodejs.pptx
+++ b/doc/Introduction of Nodejs.pptx
@@ -17,6 +17,8 @@
     <p:sldId id="267" r:id="rId11"/>
     <p:sldId id="268" r:id="rId12"/>
     <p:sldId id="269" r:id="rId13"/>
+    <p:sldId id="270" r:id="rId14"/>
+    <p:sldId id="271" r:id="rId15"/>
   </p:sldIdLst>
   <p:sldSz cx="12192000" cy="6858000"/>
   <p:notesSz cx="6858000" cy="9144000"/>
@@ -115,6 +117,11 @@
       </a:defRPr>
     </a:lvl9pPr>
   </p:defaultTextStyle>
+  <p:extLst>
+    <p:ext uri="{EFAFB233-063F-42B5-8137-9DF3F51BA10A}">
+      <p15:sldGuideLst xmlns:p15="http://schemas.microsoft.com/office/powerpoint/2012/main"/>
+    </p:ext>
+  </p:extLst>
 </p:presentation>
 </file>
 
@@ -249,7 +256,7 @@
           <a:p>
             <a:fld id="{FE787884-79B0-48AA-9FF9-509922B452A0}" type="datetimeFigureOut">
               <a:rPr lang="en-US" smtClean="0"/>
-              <a:t>3/28/2019</a:t>
+              <a:t>3/29/19</a:t>
             </a:fld>
             <a:endParaRPr lang="en-US"/>
           </a:p>
@@ -419,7 +426,7 @@
           <a:p>
             <a:fld id="{FE787884-79B0-48AA-9FF9-509922B452A0}" type="datetimeFigureOut">
               <a:rPr lang="en-US" smtClean="0"/>
-              <a:t>3/28/2019</a:t>
+              <a:t>3/29/19</a:t>
             </a:fld>
             <a:endParaRPr lang="en-US"/>
           </a:p>
@@ -599,7 +606,7 @@
           <a:p>
             <a:fld id="{FE787884-79B0-48AA-9FF9-509922B452A0}" type="datetimeFigureOut">
               <a:rPr lang="en-US" smtClean="0"/>
-              <a:t>3/28/2019</a:t>
+              <a:t>3/29/19</a:t>
             </a:fld>
             <a:endParaRPr lang="en-US"/>
           </a:p>
@@ -769,7 +776,7 @@
           <a:p>
             <a:fld id="{FE787884-79B0-48AA-9FF9-509922B452A0}" type="datetimeFigureOut">
               <a:rPr lang="en-US" smtClean="0"/>
-              <a:t>3/28/2019</a:t>
+              <a:t>3/29/19</a:t>
             </a:fld>
             <a:endParaRPr lang="en-US"/>
           </a:p>
@@ -1015,7 +1022,7 @@
           <a:p>
             <a:fld id="{FE787884-79B0-48AA-9FF9-509922B452A0}" type="datetimeFigureOut">
               <a:rPr lang="en-US" smtClean="0"/>
-              <a:t>3/28/2019</a:t>
+              <a:t>3/29/19</a:t>
             </a:fld>
             <a:endParaRPr lang="en-US"/>
           </a:p>
@@ -1247,7 +1254,7 @@
           <a:p>
             <a:fld id="{FE787884-79B0-48AA-9FF9-509922B452A0}" type="datetimeFigureOut">
               <a:rPr lang="en-US" smtClean="0"/>
-              <a:t>3/28/2019</a:t>
+              <a:t>3/29/19</a:t>
             </a:fld>
             <a:endParaRPr lang="en-US"/>
           </a:p>
@@ -1614,7 +1621,7 @@
           <a:p>
             <a:fld id="{FE787884-79B0-48AA-9FF9-509922B452A0}" type="datetimeFigureOut">
               <a:rPr lang="en-US" smtClean="0"/>
-              <a:t>3/28/2019</a:t>
+              <a:t>3/29/19</a:t>
             </a:fld>
             <a:endParaRPr lang="en-US"/>
           </a:p>
@@ -1732,7 +1739,7 @@
           <a:p>
             <a:fld id="{FE787884-79B0-48AA-9FF9-509922B452A0}" type="datetimeFigureOut">
               <a:rPr lang="en-US" smtClean="0"/>
-              <a:t>3/28/2019</a:t>
+              <a:t>3/29/19</a:t>
             </a:fld>
             <a:endParaRPr lang="en-US"/>
           </a:p>
@@ -1827,7 +1834,7 @@
           <a:p>
             <a:fld id="{FE787884-79B0-48AA-9FF9-509922B452A0}" type="datetimeFigureOut">
               <a:rPr lang="en-US" smtClean="0"/>
-              <a:t>3/28/2019</a:t>
+              <a:t>3/29/19</a:t>
             </a:fld>
             <a:endParaRPr lang="en-US"/>
           </a:p>
@@ -2104,7 +2111,7 @@
           <a:p>
             <a:fld id="{FE787884-79B0-48AA-9FF9-509922B452A0}" type="datetimeFigureOut">
               <a:rPr lang="en-US" smtClean="0"/>
-              <a:t>3/28/2019</a:t>
+              <a:t>3/29/19</a:t>
             </a:fld>
             <a:endParaRPr lang="en-US"/>
           </a:p>
@@ -2357,7 +2364,7 @@
           <a:p>
             <a:fld id="{FE787884-79B0-48AA-9FF9-509922B452A0}" type="datetimeFigureOut">
               <a:rPr lang="en-US" smtClean="0"/>
-              <a:t>3/28/2019</a:t>
+              <a:t>3/29/19</a:t>
             </a:fld>
             <a:endParaRPr lang="en-US"/>
           </a:p>
@@ -2570,7 +2577,7 @@
           <a:p>
             <a:fld id="{FE787884-79B0-48AA-9FF9-509922B452A0}" type="datetimeFigureOut">
               <a:rPr lang="en-US" smtClean="0"/>
-              <a:t>3/28/2019</a:t>
+              <a:t>3/29/19</a:t>
             </a:fld>
             <a:endParaRPr lang="en-US"/>
           </a:p>
@@ -3128,7 +3135,6 @@
               <a:rPr lang="en-US" sz="5400" b="1" dirty="0" smtClean="0"/>
               <a:t>Playground</a:t>
             </a:r>
-            <a:endParaRPr lang="en-US" sz="5400" b="1" dirty="0" smtClean="0"/>
           </a:p>
         </p:txBody>
       </p:sp>
@@ -3344,7 +3350,6 @@
               <a:rPr lang="en-US" sz="5400" b="1" dirty="0" smtClean="0"/>
               <a:t>Playground</a:t>
             </a:r>
-            <a:endParaRPr lang="en-US" sz="5400" b="1" dirty="0" smtClean="0"/>
           </a:p>
         </p:txBody>
       </p:sp>
@@ -3448,8 +3453,8 @@
         </p:blipFill>
         <p:spPr bwMode="auto">
           <a:xfrm>
-            <a:off x="4540664" y="2949531"/>
-            <a:ext cx="3110671" cy="1633102"/>
+            <a:off x="3740821" y="3121852"/>
+            <a:ext cx="2523957" cy="1325077"/>
           </a:xfrm>
           <a:prstGeom prst="rect">
             <a:avLst/>
@@ -3489,8 +3494,8 @@
         </p:blipFill>
         <p:spPr bwMode="auto">
           <a:xfrm>
-            <a:off x="9557211" y="1633672"/>
-            <a:ext cx="1116712" cy="1315859"/>
+            <a:off x="8889882" y="1122761"/>
+            <a:ext cx="737643" cy="869189"/>
           </a:xfrm>
           <a:prstGeom prst="rect">
             <a:avLst/>
@@ -3530,8 +3535,8 @@
         </p:blipFill>
         <p:spPr bwMode="auto">
           <a:xfrm>
-            <a:off x="8844577" y="2956008"/>
-            <a:ext cx="2202537" cy="1651903"/>
+            <a:off x="7690471" y="1165852"/>
+            <a:ext cx="1120616" cy="840462"/>
           </a:xfrm>
           <a:prstGeom prst="rect">
             <a:avLst/>
@@ -3571,8 +3576,8 @@
         </p:blipFill>
         <p:spPr bwMode="auto">
           <a:xfrm>
-            <a:off x="8940089" y="4614388"/>
-            <a:ext cx="2350957" cy="1379228"/>
+            <a:off x="9994743" y="1165852"/>
+            <a:ext cx="1031107" cy="604916"/>
           </a:xfrm>
           <a:prstGeom prst="rect">
             <a:avLst/>
@@ -3612,7 +3617,7 @@
         </p:blipFill>
         <p:spPr bwMode="auto">
           <a:xfrm>
-            <a:off x="889851" y="4292821"/>
+            <a:off x="207226" y="4153299"/>
             <a:ext cx="1744937" cy="643134"/>
           </a:xfrm>
           <a:prstGeom prst="rect">
@@ -3638,7 +3643,7 @@
         </p:nvSpPr>
         <p:spPr>
           <a:xfrm>
-            <a:off x="838200" y="2949531"/>
+            <a:off x="155575" y="2810009"/>
             <a:ext cx="1893345" cy="1200329"/>
           </a:xfrm>
           <a:prstGeom prst="rect">
@@ -3683,7 +3688,7 @@
         </p:nvSpPr>
         <p:spPr>
           <a:xfrm>
-            <a:off x="3151991" y="3410174"/>
+            <a:off x="2463151" y="3396825"/>
             <a:ext cx="1021976" cy="882647"/>
           </a:xfrm>
           <a:prstGeom prst="rightArrow">
@@ -3734,7 +3739,7 @@
         </p:nvSpPr>
         <p:spPr>
           <a:xfrm>
-            <a:off x="7822601" y="3396825"/>
+            <a:off x="6491160" y="3396823"/>
             <a:ext cx="1021976" cy="882647"/>
           </a:xfrm>
           <a:prstGeom prst="rightArrow">
@@ -3750,6 +3755,173 @@
                 <a:lumOff val="25000"/>
               </a:schemeClr>
             </a:solidFill>
+          </a:ln>
+        </p:spPr>
+        <p:style>
+          <a:lnRef idx="2">
+            <a:schemeClr val="accent1">
+              <a:shade val="50000"/>
+            </a:schemeClr>
+          </a:lnRef>
+          <a:fillRef idx="1">
+            <a:schemeClr val="accent1"/>
+          </a:fillRef>
+          <a:effectRef idx="0">
+            <a:schemeClr val="accent1"/>
+          </a:effectRef>
+          <a:fontRef idx="minor">
+            <a:schemeClr val="lt1"/>
+          </a:fontRef>
+        </p:style>
+        <p:txBody>
+          <a:bodyPr rtlCol="0" anchor="ctr"/>
+          <a:lstStyle/>
+          <a:p>
+            <a:pPr algn="ctr"/>
+            <a:endParaRPr lang="en-US"/>
+          </a:p>
+        </p:txBody>
+      </p:sp>
+      <p:pic>
+        <p:nvPicPr>
+          <p:cNvPr id="1026" name="Picture 2" descr="mage result for atom logo"/>
+          <p:cNvPicPr>
+            <a:picLocks noChangeAspect="1" noChangeArrowheads="1"/>
+          </p:cNvPicPr>
+          <p:nvPr/>
+        </p:nvPicPr>
+        <p:blipFill>
+          <a:blip r:embed="rId7">
+            <a:extLst>
+              <a:ext uri="{28A0092B-C50C-407E-A947-70E740481C1C}">
+                <a14:useLocalDpi xmlns:a14="http://schemas.microsoft.com/office/drawing/2010/main" val="0"/>
+              </a:ext>
+            </a:extLst>
+          </a:blip>
+          <a:srcRect/>
+          <a:stretch>
+            <a:fillRect/>
+          </a:stretch>
+        </p:blipFill>
+        <p:spPr bwMode="auto">
+          <a:xfrm>
+            <a:off x="8020863" y="2590006"/>
+            <a:ext cx="690067" cy="690067"/>
+          </a:xfrm>
+          <a:prstGeom prst="rect">
+            <a:avLst/>
+          </a:prstGeom>
+          <a:noFill/>
+          <a:extLst>
+            <a:ext uri="{909E8E84-426E-40DD-AFC4-6F175D3DCCD1}">
+              <a14:hiddenFill xmlns:a14="http://schemas.microsoft.com/office/drawing/2010/main">
+                <a:solidFill>
+                  <a:srgbClr val="FFFFFF"/>
+                </a:solidFill>
+              </a14:hiddenFill>
+            </a:ext>
+          </a:extLst>
+        </p:spPr>
+      </p:pic>
+      <p:pic>
+        <p:nvPicPr>
+          <p:cNvPr id="1028" name="Picture 4" descr="mage result for vscode logo"/>
+          <p:cNvPicPr>
+            <a:picLocks noChangeAspect="1" noChangeArrowheads="1"/>
+          </p:cNvPicPr>
+          <p:nvPr/>
+        </p:nvPicPr>
+        <p:blipFill>
+          <a:blip r:embed="rId8">
+            <a:extLst>
+              <a:ext uri="{28A0092B-C50C-407E-A947-70E740481C1C}">
+                <a14:useLocalDpi xmlns:a14="http://schemas.microsoft.com/office/drawing/2010/main" val="0"/>
+              </a:ext>
+            </a:extLst>
+          </a:blip>
+          <a:srcRect/>
+          <a:stretch>
+            <a:fillRect/>
+          </a:stretch>
+        </p:blipFill>
+        <p:spPr bwMode="auto">
+          <a:xfrm>
+            <a:off x="9027462" y="2540641"/>
+            <a:ext cx="859215" cy="855635"/>
+          </a:xfrm>
+          <a:prstGeom prst="rect">
+            <a:avLst/>
+          </a:prstGeom>
+          <a:noFill/>
+          <a:extLst>
+            <a:ext uri="{909E8E84-426E-40DD-AFC4-6F175D3DCCD1}">
+              <a14:hiddenFill xmlns:a14="http://schemas.microsoft.com/office/drawing/2010/main">
+                <a:solidFill>
+                  <a:srgbClr val="FFFFFF"/>
+                </a:solidFill>
+              </a14:hiddenFill>
+            </a:ext>
+          </a:extLst>
+        </p:spPr>
+      </p:pic>
+      <p:pic>
+        <p:nvPicPr>
+          <p:cNvPr id="1030" name="Picture 6" descr="mage result for postman logo"/>
+          <p:cNvPicPr>
+            <a:picLocks noChangeAspect="1" noChangeArrowheads="1"/>
+          </p:cNvPicPr>
+          <p:nvPr/>
+        </p:nvPicPr>
+        <p:blipFill>
+          <a:blip r:embed="rId9">
+            <a:extLst>
+              <a:ext uri="{28A0092B-C50C-407E-A947-70E740481C1C}">
+                <a14:useLocalDpi xmlns:a14="http://schemas.microsoft.com/office/drawing/2010/main" val="0"/>
+              </a:ext>
+            </a:extLst>
+          </a:blip>
+          <a:srcRect/>
+          <a:stretch>
+            <a:fillRect/>
+          </a:stretch>
+        </p:blipFill>
+        <p:spPr bwMode="auto">
+          <a:xfrm>
+            <a:off x="10374156" y="2590006"/>
+            <a:ext cx="942681" cy="847521"/>
+          </a:xfrm>
+          <a:prstGeom prst="rect">
+            <a:avLst/>
+          </a:prstGeom>
+          <a:noFill/>
+          <a:extLst>
+            <a:ext uri="{909E8E84-426E-40DD-AFC4-6F175D3DCCD1}">
+              <a14:hiddenFill xmlns:a14="http://schemas.microsoft.com/office/drawing/2010/main">
+                <a:solidFill>
+                  <a:srgbClr val="FFFFFF"/>
+                </a:solidFill>
+              </a14:hiddenFill>
+            </a:ext>
+          </a:extLst>
+        </p:spPr>
+      </p:pic>
+      <p:sp>
+        <p:nvSpPr>
+          <p:cNvPr id="8" name="Rounded Rectangle 7"/>
+          <p:cNvSpPr/>
+          <p:nvPr/>
+        </p:nvSpPr>
+        <p:spPr>
+          <a:xfrm>
+            <a:off x="7739518" y="2112340"/>
+            <a:ext cx="4281283" cy="3795995"/>
+          </a:xfrm>
+          <a:prstGeom prst="roundRect">
+            <a:avLst/>
+          </a:prstGeom>
+          <a:noFill/>
+          <a:ln w="28575">
+            <a:prstDash val="dash"/>
           </a:ln>
         </p:spPr>
         <p:style>
@@ -3840,7 +4012,6 @@
               <a:rPr lang="en-US" sz="5400" b="1" dirty="0" smtClean="0"/>
               <a:t>Demo Simple Express Server  </a:t>
             </a:r>
-            <a:endParaRPr lang="en-US" sz="5400" b="1" dirty="0" smtClean="0"/>
           </a:p>
         </p:txBody>
       </p:sp>
@@ -3946,7 +4117,6 @@
               <a:rPr lang="en-US" dirty="0" smtClean="0"/>
               <a:t>.</a:t>
             </a:r>
-            <a:endParaRPr lang="en-US" dirty="0" smtClean="0"/>
           </a:p>
           <a:p>
             <a:pPr marL="742950" lvl="1" indent="-285750">
@@ -4095,6 +4265,490 @@
     <p:extLst>
       <p:ext uri="{BB962C8B-B14F-4D97-AF65-F5344CB8AC3E}">
         <p14:creationId xmlns:p14="http://schemas.microsoft.com/office/powerpoint/2010/main" val="185465301"/>
+      </p:ext>
+    </p:extLst>
+  </p:cSld>
+  <p:clrMapOvr>
+    <a:masterClrMapping/>
+  </p:clrMapOvr>
+  <p:timing>
+    <p:tnLst>
+      <p:par>
+        <p:cTn id="1" dur="indefinite" restart="never" nodeType="tmRoot"/>
+      </p:par>
+    </p:tnLst>
+  </p:timing>
+</p:sld>
+</file>
+
+<file path=ppt/slides/slide13.xml><?xml version="1.0" encoding="utf-8"?>
+<p:sld xmlns:a="http://schemas.openxmlformats.org/drawingml/2006/main" xmlns:r="http://schemas.openxmlformats.org/officeDocument/2006/relationships" xmlns:p="http://schemas.openxmlformats.org/presentationml/2006/main">
+  <p:cSld>
+    <p:spTree>
+      <p:nvGrpSpPr>
+        <p:cNvPr id="1" name=""/>
+        <p:cNvGrpSpPr/>
+        <p:nvPr/>
+      </p:nvGrpSpPr>
+      <p:grpSpPr>
+        <a:xfrm>
+          <a:off x="0" y="0"/>
+          <a:ext cx="0" cy="0"/>
+          <a:chOff x="0" y="0"/>
+          <a:chExt cx="0" cy="0"/>
+        </a:xfrm>
+      </p:grpSpPr>
+      <p:sp>
+        <p:nvSpPr>
+          <p:cNvPr id="2" name="Title 1"/>
+          <p:cNvSpPr>
+            <a:spLocks noGrp="1"/>
+          </p:cNvSpPr>
+          <p:nvPr>
+            <p:ph type="title"/>
+          </p:nvPr>
+        </p:nvSpPr>
+        <p:spPr>
+          <a:xfrm>
+            <a:off x="838200" y="365125"/>
+            <a:ext cx="10515600" cy="577267"/>
+          </a:xfrm>
+        </p:spPr>
+        <p:txBody>
+          <a:bodyPr>
+            <a:normAutofit fontScale="90000"/>
+          </a:bodyPr>
+          <a:lstStyle/>
+          <a:p>
+            <a:r>
+              <a:rPr lang="en-US" sz="5400" b="1" dirty="0" smtClean="0"/>
+              <a:t>References:</a:t>
+            </a:r>
+            <a:endParaRPr lang="en-US" sz="5400" b="1" dirty="0" smtClean="0"/>
+          </a:p>
+        </p:txBody>
+      </p:sp>
+      <p:sp>
+        <p:nvSpPr>
+          <p:cNvPr id="4" name="AutoShape 4" descr="Image result for socket io"/>
+          <p:cNvSpPr>
+            <a:spLocks noChangeAspect="1" noChangeArrowheads="1"/>
+          </p:cNvSpPr>
+          <p:nvPr/>
+        </p:nvSpPr>
+        <p:spPr bwMode="auto">
+          <a:xfrm>
+            <a:off x="155575" y="-144463"/>
+            <a:ext cx="304800" cy="304801"/>
+          </a:xfrm>
+          <a:prstGeom prst="rect">
+            <a:avLst/>
+          </a:prstGeom>
+          <a:noFill/>
+          <a:extLst>
+            <a:ext uri="{909E8E84-426E-40DD-AFC4-6F175D3DCCD1}">
+              <a14:hiddenFill xmlns:a14="http://schemas.microsoft.com/office/drawing/2010/main">
+                <a:solidFill>
+                  <a:srgbClr val="FFFFFF"/>
+                </a:solidFill>
+              </a14:hiddenFill>
+            </a:ext>
+          </a:extLst>
+        </p:spPr>
+        <p:txBody>
+          <a:bodyPr vert="horz" wrap="square" lIns="91440" tIns="45720" rIns="91440" bIns="45720" numCol="1" anchor="t" anchorCtr="0" compatLnSpc="1">
+            <a:prstTxWarp prst="textNoShape">
+              <a:avLst/>
+            </a:prstTxWarp>
+          </a:bodyPr>
+          <a:lstStyle/>
+          <a:p>
+            <a:endParaRPr lang="en-US"/>
+          </a:p>
+        </p:txBody>
+      </p:sp>
+      <p:sp>
+        <p:nvSpPr>
+          <p:cNvPr id="3" name="TextBox 2"/>
+          <p:cNvSpPr txBox="1"/>
+          <p:nvPr/>
+        </p:nvSpPr>
+        <p:spPr>
+          <a:xfrm>
+            <a:off x="838200" y="2360140"/>
+            <a:ext cx="8439665" cy="1754326"/>
+          </a:xfrm>
+          <a:prstGeom prst="rect">
+            <a:avLst/>
+          </a:prstGeom>
+          <a:noFill/>
+        </p:spPr>
+        <p:txBody>
+          <a:bodyPr wrap="square" rtlCol="0">
+            <a:spAutoFit/>
+          </a:bodyPr>
+          <a:lstStyle/>
+          <a:p>
+            <a:pPr>
+              <a:lnSpc>
+                <a:spcPct val="150000"/>
+              </a:lnSpc>
+            </a:pPr>
+            <a:r>
+              <a:rPr lang="en-US" dirty="0" smtClean="0"/>
+              <a:t>How </a:t>
+            </a:r>
+            <a:r>
+              <a:rPr lang="en-US" dirty="0" err="1" smtClean="0"/>
+              <a:t>Nodejs</a:t>
+            </a:r>
+            <a:r>
+              <a:rPr lang="en-US" dirty="0" smtClean="0"/>
+              <a:t> Work: </a:t>
+            </a:r>
+            <a:r>
+              <a:rPr lang="en-US" dirty="0">
+                <a:hlinkClick r:id="rId2"/>
+              </a:rPr>
+              <a:t>https://</a:t>
+            </a:r>
+            <a:r>
+              <a:rPr lang="en-US" dirty="0" smtClean="0">
+                <a:hlinkClick r:id="rId2"/>
+              </a:rPr>
+              <a:t>www.youtube.com/watch?v=jOupHNvDIq8</a:t>
+            </a:r>
+            <a:endParaRPr lang="en-US" dirty="0" smtClean="0"/>
+          </a:p>
+          <a:p>
+            <a:pPr>
+              <a:lnSpc>
+                <a:spcPct val="150000"/>
+              </a:lnSpc>
+            </a:pPr>
+            <a:r>
+              <a:rPr lang="en-US" dirty="0" err="1" smtClean="0"/>
+              <a:t>Undertanding</a:t>
+            </a:r>
+            <a:r>
+              <a:rPr lang="en-US" dirty="0"/>
+              <a:t> </a:t>
+            </a:r>
+            <a:r>
+              <a:rPr lang="en-US" dirty="0" smtClean="0"/>
+              <a:t>non-blocking: </a:t>
+            </a:r>
+            <a:r>
+              <a:rPr lang="en-US" dirty="0" smtClean="0">
+                <a:hlinkClick r:id="rId3"/>
+              </a:rPr>
+              <a:t>https</a:t>
+            </a:r>
+            <a:r>
+              <a:rPr lang="en-US" dirty="0">
+                <a:hlinkClick r:id="rId3"/>
+              </a:rPr>
+              <a:t>://</a:t>
+            </a:r>
+            <a:r>
+              <a:rPr lang="en-US" dirty="0" smtClean="0">
+                <a:hlinkClick r:id="rId3"/>
+              </a:rPr>
+              <a:t>www.youtube.com/watch?v=8aGhZQkoFbQ</a:t>
+            </a:r>
+            <a:r>
+              <a:rPr lang="en-US" dirty="0" smtClean="0">
+                <a:hlinkClick r:id="rId4"/>
+              </a:rPr>
+              <a:t>?t=760</a:t>
+            </a:r>
+            <a:endParaRPr lang="en-US" dirty="0"/>
+          </a:p>
+          <a:p>
+            <a:pPr>
+              <a:lnSpc>
+                <a:spcPct val="150000"/>
+              </a:lnSpc>
+            </a:pPr>
+            <a:r>
+              <a:rPr lang="en-US" dirty="0" smtClean="0"/>
+              <a:t>Electron Application: </a:t>
+            </a:r>
+            <a:r>
+              <a:rPr lang="en-US" dirty="0">
+                <a:hlinkClick r:id="rId5"/>
+              </a:rPr>
+              <a:t>https://brainhub.eu/blog/electron-framework-example-apps</a:t>
+            </a:r>
+            <a:r>
+              <a:rPr lang="en-US" dirty="0" smtClean="0">
+                <a:hlinkClick r:id="rId5"/>
+              </a:rPr>
+              <a:t>/</a:t>
+            </a:r>
+            <a:endParaRPr lang="en-US" dirty="0" smtClean="0"/>
+          </a:p>
+          <a:p>
+            <a:pPr>
+              <a:lnSpc>
+                <a:spcPct val="150000"/>
+              </a:lnSpc>
+            </a:pPr>
+            <a:r>
+              <a:rPr lang="en-US" dirty="0" err="1"/>
+              <a:t>Github</a:t>
+            </a:r>
+            <a:r>
+              <a:rPr lang="en-US" dirty="0"/>
+              <a:t> </a:t>
+            </a:r>
+            <a:r>
+              <a:rPr lang="en-US" dirty="0" err="1"/>
+              <a:t>resource:</a:t>
+            </a:r>
+            <a:r>
+              <a:rPr lang="en-US" dirty="0" err="1">
+                <a:hlinkClick r:id="rId6"/>
+              </a:rPr>
+              <a:t>https</a:t>
+            </a:r>
+            <a:r>
+              <a:rPr lang="en-US" dirty="0">
+                <a:hlinkClick r:id="rId6"/>
+              </a:rPr>
+              <a:t>://github.com/LeTranAnhVu/todoapp-express-api</a:t>
+            </a:r>
+            <a:endParaRPr lang="en-US" dirty="0"/>
+          </a:p>
+        </p:txBody>
+      </p:sp>
+    </p:spTree>
+    <p:extLst>
+      <p:ext uri="{BB962C8B-B14F-4D97-AF65-F5344CB8AC3E}">
+        <p14:creationId xmlns:p14="http://schemas.microsoft.com/office/powerpoint/2010/main" val="2074150522"/>
+      </p:ext>
+    </p:extLst>
+  </p:cSld>
+  <p:clrMapOvr>
+    <a:masterClrMapping/>
+  </p:clrMapOvr>
+  <p:timing>
+    <p:tnLst>
+      <p:par>
+        <p:cTn id="1" dur="indefinite" restart="never" nodeType="tmRoot"/>
+      </p:par>
+    </p:tnLst>
+  </p:timing>
+</p:sld>
+</file>
+
+<file path=ppt/slides/slide14.xml><?xml version="1.0" encoding="utf-8"?>
+<p:sld xmlns:a="http://schemas.openxmlformats.org/drawingml/2006/main" xmlns:r="http://schemas.openxmlformats.org/officeDocument/2006/relationships" xmlns:p="http://schemas.openxmlformats.org/presentationml/2006/main">
+  <p:cSld>
+    <p:spTree>
+      <p:nvGrpSpPr>
+        <p:cNvPr id="1" name=""/>
+        <p:cNvGrpSpPr/>
+        <p:nvPr/>
+      </p:nvGrpSpPr>
+      <p:grpSpPr>
+        <a:xfrm>
+          <a:off x="0" y="0"/>
+          <a:ext cx="0" cy="0"/>
+          <a:chOff x="0" y="0"/>
+          <a:chExt cx="0" cy="0"/>
+        </a:xfrm>
+      </p:grpSpPr>
+      <p:sp>
+        <p:nvSpPr>
+          <p:cNvPr id="2" name="Title 1"/>
+          <p:cNvSpPr>
+            <a:spLocks noGrp="1"/>
+          </p:cNvSpPr>
+          <p:nvPr>
+            <p:ph type="title"/>
+          </p:nvPr>
+        </p:nvSpPr>
+        <p:spPr>
+          <a:xfrm>
+            <a:off x="1469510" y="2051223"/>
+            <a:ext cx="5701527" cy="2116284"/>
+          </a:xfrm>
+        </p:spPr>
+        <p:txBody>
+          <a:bodyPr>
+            <a:noAutofit/>
+          </a:bodyPr>
+          <a:lstStyle/>
+          <a:p>
+            <a:pPr algn="ctr"/>
+            <a:r>
+              <a:rPr lang="en-US" sz="6000" b="1" dirty="0" smtClean="0">
+                <a:solidFill>
+                  <a:schemeClr val="tx1">
+                    <a:lumMod val="65000"/>
+                    <a:lumOff val="35000"/>
+                  </a:schemeClr>
+                </a:solidFill>
+              </a:rPr>
+              <a:t>Thank you for your listening</a:t>
+            </a:r>
+            <a:endParaRPr lang="en-US" sz="6000" b="1" dirty="0" smtClean="0">
+              <a:solidFill>
+                <a:schemeClr val="tx1">
+                  <a:lumMod val="65000"/>
+                  <a:lumOff val="35000"/>
+                </a:schemeClr>
+              </a:solidFill>
+            </a:endParaRPr>
+          </a:p>
+        </p:txBody>
+      </p:sp>
+      <p:sp>
+        <p:nvSpPr>
+          <p:cNvPr id="4" name="AutoShape 4" descr="Image result for socket io"/>
+          <p:cNvSpPr>
+            <a:spLocks noChangeAspect="1" noChangeArrowheads="1"/>
+          </p:cNvSpPr>
+          <p:nvPr/>
+        </p:nvSpPr>
+        <p:spPr bwMode="auto">
+          <a:xfrm>
+            <a:off x="155575" y="-144463"/>
+            <a:ext cx="304800" cy="304801"/>
+          </a:xfrm>
+          <a:prstGeom prst="rect">
+            <a:avLst/>
+          </a:prstGeom>
+          <a:noFill/>
+          <a:extLst>
+            <a:ext uri="{909E8E84-426E-40DD-AFC4-6F175D3DCCD1}">
+              <a14:hiddenFill xmlns:a14="http://schemas.microsoft.com/office/drawing/2010/main">
+                <a:solidFill>
+                  <a:srgbClr val="FFFFFF"/>
+                </a:solidFill>
+              </a14:hiddenFill>
+            </a:ext>
+          </a:extLst>
+        </p:spPr>
+        <p:txBody>
+          <a:bodyPr vert="horz" wrap="square" lIns="91440" tIns="45720" rIns="91440" bIns="45720" numCol="1" anchor="t" anchorCtr="0" compatLnSpc="1">
+            <a:prstTxWarp prst="textNoShape">
+              <a:avLst/>
+            </a:prstTxWarp>
+          </a:bodyPr>
+          <a:lstStyle/>
+          <a:p>
+            <a:endParaRPr lang="en-US"/>
+          </a:p>
+        </p:txBody>
+      </p:sp>
+      <p:sp>
+        <p:nvSpPr>
+          <p:cNvPr id="5" name="Title 1"/>
+          <p:cNvSpPr txBox="1">
+            <a:spLocks/>
+          </p:cNvSpPr>
+          <p:nvPr/>
+        </p:nvSpPr>
+        <p:spPr>
+          <a:xfrm>
+            <a:off x="6313358" y="4167507"/>
+            <a:ext cx="5701527" cy="1836199"/>
+          </a:xfrm>
+          <a:prstGeom prst="rect">
+            <a:avLst/>
+          </a:prstGeom>
+        </p:spPr>
+        <p:txBody>
+          <a:bodyPr vert="horz" lIns="91440" tIns="45720" rIns="91440" bIns="45720" rtlCol="0" anchor="ctr">
+            <a:noAutofit/>
+          </a:bodyPr>
+          <a:lstStyle>
+            <a:lvl1pPr algn="l" defTabSz="914400" rtl="0" eaLnBrk="1" latinLnBrk="0" hangingPunct="1">
+              <a:lnSpc>
+                <a:spcPct val="90000"/>
+              </a:lnSpc>
+              <a:spcBef>
+                <a:spcPct val="0"/>
+              </a:spcBef>
+              <a:buNone/>
+              <a:defRPr sz="4400" kern="1200">
+                <a:solidFill>
+                  <a:schemeClr val="tx1"/>
+                </a:solidFill>
+                <a:latin typeface="+mj-lt"/>
+                <a:ea typeface="+mj-ea"/>
+                <a:cs typeface="+mj-cs"/>
+              </a:defRPr>
+            </a:lvl1pPr>
+          </a:lstStyle>
+          <a:p>
+            <a:pPr algn="ctr"/>
+            <a:r>
+              <a:rPr lang="en-US" sz="6000" b="1" smtClean="0">
+                <a:solidFill>
+                  <a:schemeClr val="tx1">
+                    <a:lumMod val="65000"/>
+                    <a:lumOff val="35000"/>
+                  </a:schemeClr>
+                </a:solidFill>
+              </a:rPr>
+              <a:t>Q&amp;A</a:t>
+            </a:r>
+            <a:endParaRPr lang="en-US" sz="6000" b="1" dirty="0" smtClean="0">
+              <a:solidFill>
+                <a:schemeClr val="tx1">
+                  <a:lumMod val="65000"/>
+                  <a:lumOff val="35000"/>
+                </a:schemeClr>
+              </a:solidFill>
+            </a:endParaRPr>
+          </a:p>
+        </p:txBody>
+      </p:sp>
+      <p:cxnSp>
+        <p:nvCxnSpPr>
+          <p:cNvPr id="7" name="Straight Connector 6"/>
+          <p:cNvCxnSpPr/>
+          <p:nvPr/>
+        </p:nvCxnSpPr>
+        <p:spPr>
+          <a:xfrm flipH="1">
+            <a:off x="2335428" y="4167507"/>
+            <a:ext cx="7611761" cy="0"/>
+          </a:xfrm>
+          <a:prstGeom prst="line">
+            <a:avLst/>
+          </a:prstGeom>
+          <a:ln w="53975">
+            <a:solidFill>
+              <a:schemeClr val="tx1">
+                <a:lumMod val="65000"/>
+                <a:lumOff val="35000"/>
+              </a:schemeClr>
+            </a:solidFill>
+          </a:ln>
+        </p:spPr>
+        <p:style>
+          <a:lnRef idx="1">
+            <a:schemeClr val="accent1"/>
+          </a:lnRef>
+          <a:fillRef idx="0">
+            <a:schemeClr val="accent1"/>
+          </a:fillRef>
+          <a:effectRef idx="0">
+            <a:schemeClr val="accent1"/>
+          </a:effectRef>
+          <a:fontRef idx="minor">
+            <a:schemeClr val="tx1"/>
+          </a:fontRef>
+        </p:style>
+      </p:cxnSp>
+    </p:spTree>
+    <p:extLst>
+      <p:ext uri="{BB962C8B-B14F-4D97-AF65-F5344CB8AC3E}">
+        <p14:creationId xmlns:p14="http://schemas.microsoft.com/office/powerpoint/2010/main" val="1616913580"/>
       </p:ext>
     </p:extLst>
   </p:cSld>
@@ -5446,15 +6100,7 @@
                   <a:schemeClr val="bg1"/>
                 </a:solidFill>
               </a:rPr>
-              <a:t>N</a:t>
-            </a:r>
-            <a:r>
-              <a:rPr lang="en-US" sz="5400" b="1" dirty="0" err="1" smtClean="0">
-                <a:solidFill>
-                  <a:schemeClr val="bg1"/>
-                </a:solidFill>
-              </a:rPr>
-              <a:t>odejs</a:t>
+              <a:t>Nodejs</a:t>
             </a:r>
             <a:endParaRPr lang="en-US" sz="5400" b="1" dirty="0" smtClean="0">
               <a:solidFill>
@@ -6832,7 +7478,6 @@
               <a:rPr lang="en-US" sz="5400" b="1" dirty="0" smtClean="0"/>
               <a:t>Playground</a:t>
             </a:r>
-            <a:endParaRPr lang="en-US" sz="5400" b="1" dirty="0" smtClean="0"/>
           </a:p>
         </p:txBody>
       </p:sp>
@@ -6970,7 +7615,6 @@
               <a:rPr lang="en-US" sz="5400" b="1" dirty="0" smtClean="0"/>
               <a:t>Playground</a:t>
             </a:r>
-            <a:endParaRPr lang="en-US" sz="5400" b="1" dirty="0" smtClean="0"/>
           </a:p>
         </p:txBody>
       </p:sp>

--- a/doc/Introduction of Nodejs.pptx
+++ b/doc/Introduction of Nodejs.pptx
@@ -3949,6 +3949,129 @@
           </a:p>
         </p:txBody>
       </p:sp>
+      <p:pic>
+        <p:nvPicPr>
+          <p:cNvPr id="1032" name="Picture 8" descr="mage result for Slack Desktop logo"/>
+          <p:cNvPicPr>
+            <a:picLocks noChangeAspect="1" noChangeArrowheads="1"/>
+          </p:cNvPicPr>
+          <p:nvPr/>
+        </p:nvPicPr>
+        <p:blipFill>
+          <a:blip r:embed="rId10">
+            <a:extLst>
+              <a:ext uri="{28A0092B-C50C-407E-A947-70E740481C1C}">
+                <a14:useLocalDpi xmlns:a14="http://schemas.microsoft.com/office/drawing/2010/main" val="0"/>
+              </a:ext>
+            </a:extLst>
+          </a:blip>
+          <a:srcRect/>
+          <a:stretch>
+            <a:fillRect/>
+          </a:stretch>
+        </p:blipFill>
+        <p:spPr bwMode="auto">
+          <a:xfrm>
+            <a:off x="7902580" y="3669569"/>
+            <a:ext cx="1085296" cy="1085296"/>
+          </a:xfrm>
+          <a:prstGeom prst="rect">
+            <a:avLst/>
+          </a:prstGeom>
+          <a:noFill/>
+          <a:extLst>
+            <a:ext uri="{909E8E84-426E-40DD-AFC4-6F175D3DCCD1}">
+              <a14:hiddenFill xmlns:a14="http://schemas.microsoft.com/office/drawing/2010/main">
+                <a:solidFill>
+                  <a:srgbClr val="FFFFFF"/>
+                </a:solidFill>
+              </a14:hiddenFill>
+            </a:ext>
+          </a:extLst>
+        </p:spPr>
+      </p:pic>
+      <p:pic>
+        <p:nvPicPr>
+          <p:cNvPr id="1034" name="Picture 10" descr="mage result for wordpress Desktop logo"/>
+          <p:cNvPicPr>
+            <a:picLocks noChangeAspect="1" noChangeArrowheads="1"/>
+          </p:cNvPicPr>
+          <p:nvPr/>
+        </p:nvPicPr>
+        <p:blipFill>
+          <a:blip r:embed="rId11">
+            <a:extLst>
+              <a:ext uri="{28A0092B-C50C-407E-A947-70E740481C1C}">
+                <a14:useLocalDpi xmlns:a14="http://schemas.microsoft.com/office/drawing/2010/main" val="0"/>
+              </a:ext>
+            </a:extLst>
+          </a:blip>
+          <a:srcRect/>
+          <a:stretch>
+            <a:fillRect/>
+          </a:stretch>
+        </p:blipFill>
+        <p:spPr bwMode="auto">
+          <a:xfrm>
+            <a:off x="9214258" y="3669569"/>
+            <a:ext cx="1156583" cy="1156583"/>
+          </a:xfrm>
+          <a:prstGeom prst="rect">
+            <a:avLst/>
+          </a:prstGeom>
+          <a:noFill/>
+          <a:extLst>
+            <a:ext uri="{909E8E84-426E-40DD-AFC4-6F175D3DCCD1}">
+              <a14:hiddenFill xmlns:a14="http://schemas.microsoft.com/office/drawing/2010/main">
+                <a:solidFill>
+                  <a:srgbClr val="FFFFFF"/>
+                </a:solidFill>
+              </a14:hiddenFill>
+            </a:ext>
+          </a:extLst>
+        </p:spPr>
+      </p:pic>
+      <p:pic>
+        <p:nvPicPr>
+          <p:cNvPr id="1036" name="Picture 12" descr="mage result for WhatsApp Desktop logo"/>
+          <p:cNvPicPr>
+            <a:picLocks noChangeAspect="1" noChangeArrowheads="1"/>
+          </p:cNvPicPr>
+          <p:nvPr/>
+        </p:nvPicPr>
+        <p:blipFill>
+          <a:blip r:embed="rId12">
+            <a:extLst>
+              <a:ext uri="{28A0092B-C50C-407E-A947-70E740481C1C}">
+                <a14:useLocalDpi xmlns:a14="http://schemas.microsoft.com/office/drawing/2010/main" val="0"/>
+              </a:ext>
+            </a:extLst>
+          </a:blip>
+          <a:srcRect/>
+          <a:stretch>
+            <a:fillRect/>
+          </a:stretch>
+        </p:blipFill>
+        <p:spPr bwMode="auto">
+          <a:xfrm>
+            <a:off x="10462616" y="3820853"/>
+            <a:ext cx="1230957" cy="786622"/>
+          </a:xfrm>
+          <a:prstGeom prst="rect">
+            <a:avLst/>
+          </a:prstGeom>
+          <a:noFill/>
+          <a:extLst>
+            <a:ext uri="{909E8E84-426E-40DD-AFC4-6F175D3DCCD1}">
+              <a14:hiddenFill xmlns:a14="http://schemas.microsoft.com/office/drawing/2010/main">
+                <a:solidFill>
+                  <a:srgbClr val="FFFFFF"/>
+                </a:solidFill>
+              </a14:hiddenFill>
+            </a:ext>
+          </a:extLst>
+        </p:spPr>
+      </p:pic>
     </p:spTree>
     <p:extLst>
       <p:ext uri="{BB962C8B-B14F-4D97-AF65-F5344CB8AC3E}">

--- a/doc/Introduction of Nodejs.pptx
+++ b/doc/Introduction of Nodejs.pptx
@@ -17,8 +17,10 @@
     <p:sldId id="267" r:id="rId11"/>
     <p:sldId id="268" r:id="rId12"/>
     <p:sldId id="269" r:id="rId13"/>
-    <p:sldId id="270" r:id="rId14"/>
-    <p:sldId id="271" r:id="rId15"/>
+    <p:sldId id="272" r:id="rId14"/>
+    <p:sldId id="273" r:id="rId15"/>
+    <p:sldId id="270" r:id="rId16"/>
+    <p:sldId id="271" r:id="rId17"/>
   </p:sldIdLst>
   <p:sldSz cx="12192000" cy="6858000"/>
   <p:notesSz cx="6858000" cy="9144000"/>
@@ -4445,9 +4447,8 @@
           <a:p>
             <a:r>
               <a:rPr lang="en-US" sz="5400" b="1" dirty="0" smtClean="0"/>
-              <a:t>References:</a:t>
-            </a:r>
-            <a:endParaRPr lang="en-US" sz="5400" b="1" dirty="0" smtClean="0"/>
+              <a:t>Demo Simple Express Server  </a:t>
+            </a:r>
           </a:p>
         </p:txBody>
       </p:sp>
@@ -4492,14 +4493,14 @@
       </p:sp>
       <p:sp>
         <p:nvSpPr>
-          <p:cNvPr id="3" name="TextBox 2"/>
+          <p:cNvPr id="7" name="TextBox 6"/>
           <p:cNvSpPr txBox="1"/>
           <p:nvPr/>
         </p:nvSpPr>
         <p:spPr>
           <a:xfrm>
-            <a:off x="838200" y="2360140"/>
-            <a:ext cx="8439665" cy="1754326"/>
+            <a:off x="978946" y="1764254"/>
+            <a:ext cx="6572922" cy="369332"/>
           </a:xfrm>
           <a:prstGeom prst="rect">
             <a:avLst/>
@@ -4512,143 +4513,692 @@
           </a:bodyPr>
           <a:lstStyle/>
           <a:p>
-            <a:pPr>
-              <a:lnSpc>
-                <a:spcPct val="150000"/>
-              </a:lnSpc>
+            <a:pPr marL="285750" indent="-285750">
+              <a:buFont typeface="Arial" panose="020B0604020202020204" pitchFamily="34" charset="0"/>
+              <a:buChar char="•"/>
             </a:pPr>
             <a:r>
               <a:rPr lang="en-US" dirty="0" smtClean="0"/>
-              <a:t>How </a:t>
-            </a:r>
-            <a:r>
-              <a:rPr lang="en-US" dirty="0" err="1" smtClean="0"/>
-              <a:t>Nodejs</a:t>
-            </a:r>
-            <a:r>
-              <a:rPr lang="en-US" dirty="0" smtClean="0"/>
-              <a:t> Work: </a:t>
-            </a:r>
-            <a:r>
-              <a:rPr lang="en-US" dirty="0">
-                <a:hlinkClick r:id="rId2"/>
-              </a:rPr>
-              <a:t>https://</a:t>
-            </a:r>
-            <a:r>
-              <a:rPr lang="en-US" dirty="0" smtClean="0">
-                <a:hlinkClick r:id="rId2"/>
-              </a:rPr>
-              <a:t>www.youtube.com/watch?v=jOupHNvDIq8</a:t>
+              <a:t>Restful API:</a:t>
             </a:r>
             <a:endParaRPr lang="en-US" dirty="0" smtClean="0"/>
           </a:p>
-          <a:p>
-            <a:pPr>
-              <a:lnSpc>
-                <a:spcPct val="150000"/>
-              </a:lnSpc>
-            </a:pPr>
-            <a:r>
-              <a:rPr lang="en-US" dirty="0" err="1" smtClean="0"/>
-              <a:t>Undertanding</a:t>
-            </a:r>
-            <a:r>
-              <a:rPr lang="en-US" dirty="0"/>
-              <a:t> </a:t>
-            </a:r>
-            <a:r>
-              <a:rPr lang="en-US" dirty="0" smtClean="0"/>
-              <a:t>non-blocking: </a:t>
-            </a:r>
-            <a:r>
-              <a:rPr lang="en-US" dirty="0" smtClean="0">
-                <a:hlinkClick r:id="rId3"/>
-              </a:rPr>
-              <a:t>https</a:t>
-            </a:r>
-            <a:r>
-              <a:rPr lang="en-US" dirty="0">
-                <a:hlinkClick r:id="rId3"/>
-              </a:rPr>
-              <a:t>://</a:t>
-            </a:r>
-            <a:r>
-              <a:rPr lang="en-US" dirty="0" smtClean="0">
-                <a:hlinkClick r:id="rId3"/>
-              </a:rPr>
-              <a:t>www.youtube.com/watch?v=8aGhZQkoFbQ</a:t>
-            </a:r>
-            <a:r>
-              <a:rPr lang="en-US" dirty="0" smtClean="0">
-                <a:hlinkClick r:id="rId4"/>
-              </a:rPr>
-              <a:t>?t=760</a:t>
-            </a:r>
-            <a:endParaRPr lang="en-US" dirty="0"/>
-          </a:p>
-          <a:p>
-            <a:pPr>
-              <a:lnSpc>
-                <a:spcPct val="150000"/>
-              </a:lnSpc>
-            </a:pPr>
-            <a:r>
-              <a:rPr lang="en-US" dirty="0" smtClean="0"/>
-              <a:t>Electron Application: </a:t>
-            </a:r>
-            <a:r>
-              <a:rPr lang="en-US" dirty="0">
-                <a:hlinkClick r:id="rId5"/>
-              </a:rPr>
-              <a:t>https://brainhub.eu/blog/electron-framework-example-apps</a:t>
-            </a:r>
-            <a:r>
-              <a:rPr lang="en-US" dirty="0" smtClean="0">
-                <a:hlinkClick r:id="rId5"/>
-              </a:rPr>
-              <a:t>/</a:t>
-            </a:r>
-            <a:endParaRPr lang="en-US" dirty="0" smtClean="0"/>
-          </a:p>
-          <a:p>
-            <a:pPr>
-              <a:lnSpc>
-                <a:spcPct val="150000"/>
-              </a:lnSpc>
-            </a:pPr>
-            <a:r>
-              <a:rPr lang="en-US" dirty="0" err="1"/>
-              <a:t>Github</a:t>
-            </a:r>
-            <a:r>
-              <a:rPr lang="en-US" dirty="0"/>
-              <a:t> </a:t>
-            </a:r>
-            <a:r>
-              <a:rPr lang="en-US" dirty="0" err="1"/>
-              <a:t>resource:</a:t>
-            </a:r>
-            <a:r>
-              <a:rPr lang="en-US" dirty="0" err="1">
-                <a:hlinkClick r:id="rId6"/>
-              </a:rPr>
-              <a:t>https</a:t>
-            </a:r>
-            <a:r>
-              <a:rPr lang="en-US" dirty="0">
-                <a:hlinkClick r:id="rId6"/>
-              </a:rPr>
-              <a:t>://github.com/LeTranAnhVu/todoapp-express-api</a:t>
-            </a:r>
-            <a:endParaRPr lang="en-US" dirty="0"/>
-          </a:p>
-        </p:txBody>
-      </p:sp>
+        </p:txBody>
+      </p:sp>
+      <p:graphicFrame>
+        <p:nvGraphicFramePr>
+          <p:cNvPr id="3" name="Table 2"/>
+          <p:cNvGraphicFramePr>
+            <a:graphicFrameLocks noGrp="1"/>
+          </p:cNvGraphicFramePr>
+          <p:nvPr>
+            <p:extLst>
+              <p:ext uri="{D42A27DB-BD31-4B8C-83A1-F6EECF244321}">
+                <p14:modId xmlns:p14="http://schemas.microsoft.com/office/powerpoint/2010/main" val="1634430636"/>
+              </p:ext>
+            </p:extLst>
+          </p:nvPr>
+        </p:nvGraphicFramePr>
+        <p:xfrm>
+          <a:off x="544750" y="2431734"/>
+          <a:ext cx="10437780" cy="2595880"/>
+        </p:xfrm>
+        <a:graphic>
+          <a:graphicData uri="http://schemas.openxmlformats.org/drawingml/2006/table">
+            <a:tbl>
+              <a:tblPr firstRow="1" bandRow="1">
+                <a:tableStyleId>{5C22544A-7EE6-4342-B048-85BDC9FD1C3A}</a:tableStyleId>
+              </a:tblPr>
+              <a:tblGrid>
+                <a:gridCol w="3657599"/>
+                <a:gridCol w="1561291"/>
+                <a:gridCol w="2609445"/>
+                <a:gridCol w="2609445"/>
+              </a:tblGrid>
+              <a:tr h="370840">
+                <a:tc>
+                  <a:txBody>
+                    <a:bodyPr/>
+                    <a:lstStyle/>
+                    <a:p>
+                      <a:r>
+                        <a:rPr lang="en-US" dirty="0" err="1" smtClean="0"/>
+                        <a:t>Url</a:t>
+                      </a:r>
+                      <a:endParaRPr lang="en-US" dirty="0"/>
+                    </a:p>
+                  </a:txBody>
+                  <a:tcPr/>
+                </a:tc>
+                <a:tc>
+                  <a:txBody>
+                    <a:bodyPr/>
+                    <a:lstStyle/>
+                    <a:p>
+                      <a:r>
+                        <a:rPr lang="en-US" dirty="0" smtClean="0"/>
+                        <a:t>HTTP Method</a:t>
+                      </a:r>
+                      <a:endParaRPr lang="en-US" dirty="0"/>
+                    </a:p>
+                  </a:txBody>
+                  <a:tcPr/>
+                </a:tc>
+                <a:tc>
+                  <a:txBody>
+                    <a:bodyPr/>
+                    <a:lstStyle/>
+                    <a:p>
+                      <a:r>
+                        <a:rPr lang="en-US" dirty="0" smtClean="0"/>
+                        <a:t>Body</a:t>
+                      </a:r>
+                      <a:endParaRPr lang="en-US" dirty="0"/>
+                    </a:p>
+                  </a:txBody>
+                  <a:tcPr/>
+                </a:tc>
+                <a:tc>
+                  <a:txBody>
+                    <a:bodyPr/>
+                    <a:lstStyle/>
+                    <a:p>
+                      <a:r>
+                        <a:rPr lang="en-US" dirty="0" smtClean="0"/>
+                        <a:t>Description</a:t>
+                      </a:r>
+                      <a:endParaRPr lang="en-US" dirty="0"/>
+                    </a:p>
+                  </a:txBody>
+                  <a:tcPr/>
+                </a:tc>
+              </a:tr>
+              <a:tr h="370840">
+                <a:tc>
+                  <a:txBody>
+                    <a:bodyPr/>
+                    <a:lstStyle/>
+                    <a:p>
+                      <a:r>
+                        <a:rPr lang="en-US" dirty="0" smtClean="0"/>
+                        <a:t>/</a:t>
+                      </a:r>
+                      <a:r>
+                        <a:rPr lang="en-US" dirty="0" err="1" smtClean="0"/>
+                        <a:t>api</a:t>
+                      </a:r>
+                      <a:r>
+                        <a:rPr lang="en-US" dirty="0" smtClean="0"/>
+                        <a:t>/v1/</a:t>
+                      </a:r>
+                      <a:r>
+                        <a:rPr lang="en-US" dirty="0" err="1" smtClean="0"/>
+                        <a:t>todos?page</a:t>
+                      </a:r>
+                      <a:r>
+                        <a:rPr lang="en-US" dirty="0" smtClean="0"/>
+                        <a:t>=&amp;search=</a:t>
+                      </a:r>
+                      <a:endParaRPr lang="en-US" dirty="0"/>
+                    </a:p>
+                  </a:txBody>
+                  <a:tcPr/>
+                </a:tc>
+                <a:tc>
+                  <a:txBody>
+                    <a:bodyPr/>
+                    <a:lstStyle/>
+                    <a:p>
+                      <a:r>
+                        <a:rPr lang="en-US" dirty="0" smtClean="0"/>
+                        <a:t>GET</a:t>
+                      </a:r>
+                      <a:endParaRPr lang="en-US" dirty="0"/>
+                    </a:p>
+                  </a:txBody>
+                  <a:tcPr/>
+                </a:tc>
+                <a:tc>
+                  <a:txBody>
+                    <a:bodyPr/>
+                    <a:lstStyle/>
+                    <a:p>
+                      <a:r>
+                        <a:rPr lang="en-US" dirty="0" smtClean="0"/>
+                        <a:t>empty</a:t>
+                      </a:r>
+                      <a:endParaRPr lang="en-US" dirty="0"/>
+                    </a:p>
+                  </a:txBody>
+                  <a:tcPr/>
+                </a:tc>
+                <a:tc>
+                  <a:txBody>
+                    <a:bodyPr/>
+                    <a:lstStyle/>
+                    <a:p>
+                      <a:r>
+                        <a:rPr lang="en-US" dirty="0" smtClean="0"/>
+                        <a:t>Show list of </a:t>
+                      </a:r>
+                      <a:r>
+                        <a:rPr lang="en-US" dirty="0" err="1" smtClean="0"/>
+                        <a:t>todos</a:t>
+                      </a:r>
+                      <a:endParaRPr lang="en-US" dirty="0"/>
+                    </a:p>
+                  </a:txBody>
+                  <a:tcPr/>
+                </a:tc>
+              </a:tr>
+              <a:tr h="370840">
+                <a:tc>
+                  <a:txBody>
+                    <a:bodyPr/>
+                    <a:lstStyle/>
+                    <a:p>
+                      <a:pPr marL="0" marR="0" indent="0" algn="l" defTabSz="914400" rtl="0" eaLnBrk="1" fontAlgn="auto" latinLnBrk="0" hangingPunct="1">
+                        <a:lnSpc>
+                          <a:spcPct val="100000"/>
+                        </a:lnSpc>
+                        <a:spcBef>
+                          <a:spcPts val="0"/>
+                        </a:spcBef>
+                        <a:spcAft>
+                          <a:spcPts val="0"/>
+                        </a:spcAft>
+                        <a:buClrTx/>
+                        <a:buSzTx/>
+                        <a:buFontTx/>
+                        <a:buNone/>
+                        <a:tabLst/>
+                        <a:defRPr/>
+                      </a:pPr>
+                      <a:r>
+                        <a:rPr lang="en-US" dirty="0" smtClean="0"/>
+                        <a:t>/</a:t>
+                      </a:r>
+                      <a:r>
+                        <a:rPr lang="en-US" dirty="0" err="1" smtClean="0"/>
+                        <a:t>api</a:t>
+                      </a:r>
+                      <a:r>
+                        <a:rPr lang="en-US" dirty="0" smtClean="0"/>
+                        <a:t>/v1/</a:t>
+                      </a:r>
+                      <a:r>
+                        <a:rPr lang="en-US" dirty="0" err="1" smtClean="0"/>
+                        <a:t>todos</a:t>
+                      </a:r>
+                      <a:endParaRPr lang="en-US" dirty="0" smtClean="0"/>
+                    </a:p>
+                  </a:txBody>
+                  <a:tcPr/>
+                </a:tc>
+                <a:tc>
+                  <a:txBody>
+                    <a:bodyPr/>
+                    <a:lstStyle/>
+                    <a:p>
+                      <a:r>
+                        <a:rPr lang="en-US" dirty="0" smtClean="0"/>
+                        <a:t>POST</a:t>
+                      </a:r>
+                      <a:endParaRPr lang="en-US" dirty="0"/>
+                    </a:p>
+                  </a:txBody>
+                  <a:tcPr/>
+                </a:tc>
+                <a:tc>
+                  <a:txBody>
+                    <a:bodyPr/>
+                    <a:lstStyle/>
+                    <a:p>
+                      <a:r>
+                        <a:rPr lang="en-US" dirty="0" err="1" smtClean="0"/>
+                        <a:t>Todo</a:t>
+                      </a:r>
+                      <a:r>
+                        <a:rPr lang="en-US" baseline="0" dirty="0" smtClean="0"/>
+                        <a:t> </a:t>
+                      </a:r>
+                      <a:r>
+                        <a:rPr lang="en-US" baseline="0" dirty="0" err="1" smtClean="0"/>
+                        <a:t>json</a:t>
+                      </a:r>
+                      <a:endParaRPr lang="en-US" dirty="0"/>
+                    </a:p>
+                  </a:txBody>
+                  <a:tcPr/>
+                </a:tc>
+                <a:tc>
+                  <a:txBody>
+                    <a:bodyPr/>
+                    <a:lstStyle/>
+                    <a:p>
+                      <a:r>
+                        <a:rPr lang="en-US" dirty="0" smtClean="0"/>
+                        <a:t>Create new</a:t>
+                      </a:r>
+                      <a:r>
+                        <a:rPr lang="en-US" baseline="0" dirty="0" smtClean="0"/>
+                        <a:t> </a:t>
+                      </a:r>
+                      <a:r>
+                        <a:rPr lang="en-US" baseline="0" dirty="0" err="1" smtClean="0"/>
+                        <a:t>todo</a:t>
+                      </a:r>
+                      <a:endParaRPr lang="en-US" dirty="0"/>
+                    </a:p>
+                  </a:txBody>
+                  <a:tcPr/>
+                </a:tc>
+              </a:tr>
+              <a:tr h="370840">
+                <a:tc>
+                  <a:txBody>
+                    <a:bodyPr/>
+                    <a:lstStyle/>
+                    <a:p>
+                      <a:pPr marL="0" marR="0" indent="0" algn="l" defTabSz="914400" rtl="0" eaLnBrk="1" fontAlgn="auto" latinLnBrk="0" hangingPunct="1">
+                        <a:lnSpc>
+                          <a:spcPct val="100000"/>
+                        </a:lnSpc>
+                        <a:spcBef>
+                          <a:spcPts val="0"/>
+                        </a:spcBef>
+                        <a:spcAft>
+                          <a:spcPts val="0"/>
+                        </a:spcAft>
+                        <a:buClrTx/>
+                        <a:buSzTx/>
+                        <a:buFontTx/>
+                        <a:buNone/>
+                        <a:tabLst/>
+                        <a:defRPr/>
+                      </a:pPr>
+                      <a:r>
+                        <a:rPr lang="en-US" dirty="0" smtClean="0"/>
+                        <a:t>/</a:t>
+                      </a:r>
+                      <a:r>
+                        <a:rPr lang="en-US" dirty="0" err="1" smtClean="0"/>
+                        <a:t>api</a:t>
+                      </a:r>
+                      <a:r>
+                        <a:rPr lang="en-US" dirty="0" smtClean="0"/>
+                        <a:t>/v1/</a:t>
+                      </a:r>
+                      <a:r>
+                        <a:rPr lang="en-US" dirty="0" err="1" smtClean="0"/>
+                        <a:t>todos</a:t>
+                      </a:r>
+                      <a:endParaRPr lang="en-US" dirty="0" smtClean="0"/>
+                    </a:p>
+                  </a:txBody>
+                  <a:tcPr/>
+                </a:tc>
+                <a:tc>
+                  <a:txBody>
+                    <a:bodyPr/>
+                    <a:lstStyle/>
+                    <a:p>
+                      <a:r>
+                        <a:rPr lang="en-US" dirty="0" smtClean="0"/>
+                        <a:t>DELETE</a:t>
+                      </a:r>
+                      <a:endParaRPr lang="en-US" dirty="0"/>
+                    </a:p>
+                  </a:txBody>
+                  <a:tcPr/>
+                </a:tc>
+                <a:tc>
+                  <a:txBody>
+                    <a:bodyPr/>
+                    <a:lstStyle/>
+                    <a:p>
+                      <a:r>
+                        <a:rPr lang="en-US" dirty="0" smtClean="0"/>
+                        <a:t>Array</a:t>
+                      </a:r>
+                      <a:r>
+                        <a:rPr lang="en-US" baseline="0" dirty="0" smtClean="0"/>
+                        <a:t> of </a:t>
+                      </a:r>
+                      <a:r>
+                        <a:rPr lang="en-US" baseline="0" dirty="0" err="1" smtClean="0"/>
+                        <a:t>todo</a:t>
+                      </a:r>
+                      <a:r>
+                        <a:rPr lang="en-US" baseline="0" dirty="0" smtClean="0"/>
+                        <a:t> ids </a:t>
+                      </a:r>
+                      <a:r>
+                        <a:rPr lang="en-US" baseline="0" dirty="0" err="1" smtClean="0"/>
+                        <a:t>json</a:t>
+                      </a:r>
+                      <a:endParaRPr lang="en-US" dirty="0"/>
+                    </a:p>
+                  </a:txBody>
+                  <a:tcPr/>
+                </a:tc>
+                <a:tc>
+                  <a:txBody>
+                    <a:bodyPr/>
+                    <a:lstStyle/>
+                    <a:p>
+                      <a:r>
+                        <a:rPr lang="en-US" dirty="0" smtClean="0"/>
+                        <a:t>Delete </a:t>
+                      </a:r>
+                      <a:r>
+                        <a:rPr lang="en-US" dirty="0" err="1" smtClean="0"/>
+                        <a:t>todos</a:t>
+                      </a:r>
+                      <a:endParaRPr lang="en-US" dirty="0"/>
+                    </a:p>
+                  </a:txBody>
+                  <a:tcPr/>
+                </a:tc>
+              </a:tr>
+              <a:tr h="370840">
+                <a:tc>
+                  <a:txBody>
+                    <a:bodyPr/>
+                    <a:lstStyle/>
+                    <a:p>
+                      <a:pPr marL="0" marR="0" indent="0" algn="l" defTabSz="914400" rtl="0" eaLnBrk="1" fontAlgn="auto" latinLnBrk="0" hangingPunct="1">
+                        <a:lnSpc>
+                          <a:spcPct val="100000"/>
+                        </a:lnSpc>
+                        <a:spcBef>
+                          <a:spcPts val="0"/>
+                        </a:spcBef>
+                        <a:spcAft>
+                          <a:spcPts val="0"/>
+                        </a:spcAft>
+                        <a:buClrTx/>
+                        <a:buSzTx/>
+                        <a:buFontTx/>
+                        <a:buNone/>
+                        <a:tabLst/>
+                        <a:defRPr/>
+                      </a:pPr>
+                      <a:r>
+                        <a:rPr lang="en-US" dirty="0" smtClean="0"/>
+                        <a:t>/</a:t>
+                      </a:r>
+                      <a:r>
+                        <a:rPr lang="en-US" dirty="0" err="1" smtClean="0"/>
+                        <a:t>api</a:t>
+                      </a:r>
+                      <a:r>
+                        <a:rPr lang="en-US" dirty="0" smtClean="0"/>
+                        <a:t>/v1/</a:t>
+                      </a:r>
+                      <a:r>
+                        <a:rPr lang="en-US" dirty="0" err="1" smtClean="0"/>
+                        <a:t>todos</a:t>
+                      </a:r>
+                      <a:r>
+                        <a:rPr lang="en-US" dirty="0" smtClean="0"/>
+                        <a:t>/:id</a:t>
+                      </a:r>
+                    </a:p>
+                  </a:txBody>
+                  <a:tcPr/>
+                </a:tc>
+                <a:tc>
+                  <a:txBody>
+                    <a:bodyPr/>
+                    <a:lstStyle/>
+                    <a:p>
+                      <a:r>
+                        <a:rPr lang="en-US" dirty="0" smtClean="0"/>
+                        <a:t>GET</a:t>
+                      </a:r>
+                      <a:endParaRPr lang="en-US" dirty="0"/>
+                    </a:p>
+                  </a:txBody>
+                  <a:tcPr/>
+                </a:tc>
+                <a:tc>
+                  <a:txBody>
+                    <a:bodyPr/>
+                    <a:lstStyle/>
+                    <a:p>
+                      <a:r>
+                        <a:rPr lang="en-US" dirty="0" smtClean="0"/>
+                        <a:t>empty</a:t>
+                      </a:r>
+                      <a:endParaRPr lang="en-US" dirty="0"/>
+                    </a:p>
+                  </a:txBody>
+                  <a:tcPr/>
+                </a:tc>
+                <a:tc>
+                  <a:txBody>
+                    <a:bodyPr/>
+                    <a:lstStyle/>
+                    <a:p>
+                      <a:r>
+                        <a:rPr lang="en-US" dirty="0" smtClean="0"/>
+                        <a:t>Show a </a:t>
+                      </a:r>
+                      <a:r>
+                        <a:rPr lang="en-US" dirty="0" err="1" smtClean="0"/>
+                        <a:t>todo</a:t>
+                      </a:r>
+                      <a:endParaRPr lang="en-US" dirty="0"/>
+                    </a:p>
+                  </a:txBody>
+                  <a:tcPr/>
+                </a:tc>
+              </a:tr>
+              <a:tr h="370840">
+                <a:tc>
+                  <a:txBody>
+                    <a:bodyPr/>
+                    <a:lstStyle/>
+                    <a:p>
+                      <a:pPr marL="0" marR="0" indent="0" algn="l" defTabSz="914400" rtl="0" eaLnBrk="1" fontAlgn="auto" latinLnBrk="0" hangingPunct="1">
+                        <a:lnSpc>
+                          <a:spcPct val="100000"/>
+                        </a:lnSpc>
+                        <a:spcBef>
+                          <a:spcPts val="0"/>
+                        </a:spcBef>
+                        <a:spcAft>
+                          <a:spcPts val="0"/>
+                        </a:spcAft>
+                        <a:buClrTx/>
+                        <a:buSzTx/>
+                        <a:buFontTx/>
+                        <a:buNone/>
+                        <a:tabLst/>
+                        <a:defRPr/>
+                      </a:pPr>
+                      <a:r>
+                        <a:rPr lang="en-US" dirty="0" smtClean="0"/>
+                        <a:t>/</a:t>
+                      </a:r>
+                      <a:r>
+                        <a:rPr lang="en-US" dirty="0" err="1" smtClean="0"/>
+                        <a:t>api</a:t>
+                      </a:r>
+                      <a:r>
+                        <a:rPr lang="en-US" dirty="0" smtClean="0"/>
+                        <a:t>/v1/</a:t>
+                      </a:r>
+                      <a:r>
+                        <a:rPr lang="en-US" dirty="0" err="1" smtClean="0"/>
+                        <a:t>todos</a:t>
+                      </a:r>
+                      <a:r>
+                        <a:rPr lang="en-US" dirty="0" smtClean="0"/>
+                        <a:t>/:id</a:t>
+                      </a:r>
+                    </a:p>
+                  </a:txBody>
+                  <a:tcPr/>
+                </a:tc>
+                <a:tc>
+                  <a:txBody>
+                    <a:bodyPr/>
+                    <a:lstStyle/>
+                    <a:p>
+                      <a:r>
+                        <a:rPr lang="en-US" dirty="0" smtClean="0"/>
+                        <a:t>PUT</a:t>
+                      </a:r>
+                      <a:endParaRPr lang="en-US" dirty="0"/>
+                    </a:p>
+                  </a:txBody>
+                  <a:tcPr/>
+                </a:tc>
+                <a:tc>
+                  <a:txBody>
+                    <a:bodyPr/>
+                    <a:lstStyle/>
+                    <a:p>
+                      <a:r>
+                        <a:rPr lang="en-US" dirty="0" err="1" smtClean="0"/>
+                        <a:t>Todo</a:t>
+                      </a:r>
+                      <a:r>
+                        <a:rPr lang="en-US" dirty="0" smtClean="0"/>
+                        <a:t> </a:t>
+                      </a:r>
+                      <a:r>
+                        <a:rPr lang="en-US" dirty="0" err="1" smtClean="0"/>
+                        <a:t>json</a:t>
+                      </a:r>
+                      <a:endParaRPr lang="en-US" dirty="0"/>
+                    </a:p>
+                  </a:txBody>
+                  <a:tcPr/>
+                </a:tc>
+                <a:tc>
+                  <a:txBody>
+                    <a:bodyPr/>
+                    <a:lstStyle/>
+                    <a:p>
+                      <a:r>
+                        <a:rPr lang="en-US" dirty="0" smtClean="0"/>
+                        <a:t>Update a </a:t>
+                      </a:r>
+                      <a:r>
+                        <a:rPr lang="en-US" dirty="0" err="1" smtClean="0"/>
+                        <a:t>todo</a:t>
+                      </a:r>
+                      <a:endParaRPr lang="en-US" dirty="0"/>
+                    </a:p>
+                  </a:txBody>
+                  <a:tcPr/>
+                </a:tc>
+              </a:tr>
+              <a:tr h="370840">
+                <a:tc>
+                  <a:txBody>
+                    <a:bodyPr/>
+                    <a:lstStyle/>
+                    <a:p>
+                      <a:pPr marL="0" marR="0" indent="0" algn="l" defTabSz="914400" rtl="0" eaLnBrk="1" fontAlgn="auto" latinLnBrk="0" hangingPunct="1">
+                        <a:lnSpc>
+                          <a:spcPct val="100000"/>
+                        </a:lnSpc>
+                        <a:spcBef>
+                          <a:spcPts val="0"/>
+                        </a:spcBef>
+                        <a:spcAft>
+                          <a:spcPts val="0"/>
+                        </a:spcAft>
+                        <a:buClrTx/>
+                        <a:buSzTx/>
+                        <a:buFontTx/>
+                        <a:buNone/>
+                        <a:tabLst/>
+                        <a:defRPr/>
+                      </a:pPr>
+                      <a:r>
+                        <a:rPr lang="en-US" dirty="0" smtClean="0"/>
+                        <a:t>/</a:t>
+                      </a:r>
+                      <a:r>
+                        <a:rPr lang="en-US" dirty="0" err="1" smtClean="0"/>
+                        <a:t>api</a:t>
+                      </a:r>
+                      <a:r>
+                        <a:rPr lang="en-US" dirty="0" smtClean="0"/>
+                        <a:t>/v1/</a:t>
+                      </a:r>
+                      <a:r>
+                        <a:rPr lang="en-US" dirty="0" err="1" smtClean="0"/>
+                        <a:t>todos</a:t>
+                      </a:r>
+                      <a:r>
+                        <a:rPr lang="en-US" dirty="0" smtClean="0"/>
+                        <a:t>/:id</a:t>
+                      </a:r>
+                    </a:p>
+                  </a:txBody>
+                  <a:tcPr/>
+                </a:tc>
+                <a:tc>
+                  <a:txBody>
+                    <a:bodyPr/>
+                    <a:lstStyle/>
+                    <a:p>
+                      <a:r>
+                        <a:rPr lang="en-US" dirty="0" smtClean="0"/>
+                        <a:t>DELETE</a:t>
+                      </a:r>
+                      <a:endParaRPr lang="en-US" dirty="0"/>
+                    </a:p>
+                  </a:txBody>
+                  <a:tcPr/>
+                </a:tc>
+                <a:tc>
+                  <a:txBody>
+                    <a:bodyPr/>
+                    <a:lstStyle/>
+                    <a:p>
+                      <a:r>
+                        <a:rPr lang="en-US" dirty="0" smtClean="0"/>
+                        <a:t>empty</a:t>
+                      </a:r>
+                      <a:endParaRPr lang="en-US" dirty="0"/>
+                    </a:p>
+                  </a:txBody>
+                  <a:tcPr/>
+                </a:tc>
+                <a:tc>
+                  <a:txBody>
+                    <a:bodyPr/>
+                    <a:lstStyle/>
+                    <a:p>
+                      <a:r>
+                        <a:rPr lang="en-US" dirty="0" smtClean="0"/>
+                        <a:t>Delete a </a:t>
+                      </a:r>
+                      <a:r>
+                        <a:rPr lang="en-US" dirty="0" err="1" smtClean="0"/>
+                        <a:t>todo</a:t>
+                      </a:r>
+                      <a:endParaRPr lang="en-US" dirty="0"/>
+                    </a:p>
+                  </a:txBody>
+                  <a:tcPr/>
+                </a:tc>
+              </a:tr>
+            </a:tbl>
+          </a:graphicData>
+        </a:graphic>
+      </p:graphicFrame>
     </p:spTree>
     <p:extLst>
       <p:ext uri="{BB962C8B-B14F-4D97-AF65-F5344CB8AC3E}">
-        <p14:creationId xmlns:p14="http://schemas.microsoft.com/office/powerpoint/2010/main" val="2074150522"/>
+        <p14:creationId xmlns:p14="http://schemas.microsoft.com/office/powerpoint/2010/main" val="1535143409"/>
       </p:ext>
     </p:extLst>
   </p:cSld>
@@ -4694,6 +5244,722 @@
         </p:nvSpPr>
         <p:spPr>
           <a:xfrm>
+            <a:off x="838200" y="365125"/>
+            <a:ext cx="10515600" cy="577267"/>
+          </a:xfrm>
+        </p:spPr>
+        <p:txBody>
+          <a:bodyPr>
+            <a:normAutofit fontScale="90000"/>
+          </a:bodyPr>
+          <a:lstStyle/>
+          <a:p>
+            <a:r>
+              <a:rPr lang="en-US" sz="5400" b="1" dirty="0" smtClean="0"/>
+              <a:t>Demo Simple Express Server  </a:t>
+            </a:r>
+          </a:p>
+        </p:txBody>
+      </p:sp>
+      <p:sp>
+        <p:nvSpPr>
+          <p:cNvPr id="4" name="AutoShape 4" descr="Image result for socket io"/>
+          <p:cNvSpPr>
+            <a:spLocks noChangeAspect="1" noChangeArrowheads="1"/>
+          </p:cNvSpPr>
+          <p:nvPr/>
+        </p:nvSpPr>
+        <p:spPr bwMode="auto">
+          <a:xfrm>
+            <a:off x="155575" y="-144463"/>
+            <a:ext cx="304800" cy="304801"/>
+          </a:xfrm>
+          <a:prstGeom prst="rect">
+            <a:avLst/>
+          </a:prstGeom>
+          <a:noFill/>
+          <a:extLst>
+            <a:ext uri="{909E8E84-426E-40DD-AFC4-6F175D3DCCD1}">
+              <a14:hiddenFill xmlns:a14="http://schemas.microsoft.com/office/drawing/2010/main">
+                <a:solidFill>
+                  <a:srgbClr val="FFFFFF"/>
+                </a:solidFill>
+              </a14:hiddenFill>
+            </a:ext>
+          </a:extLst>
+        </p:spPr>
+        <p:txBody>
+          <a:bodyPr vert="horz" wrap="square" lIns="91440" tIns="45720" rIns="91440" bIns="45720" numCol="1" anchor="t" anchorCtr="0" compatLnSpc="1">
+            <a:prstTxWarp prst="textNoShape">
+              <a:avLst/>
+            </a:prstTxWarp>
+          </a:bodyPr>
+          <a:lstStyle/>
+          <a:p>
+            <a:endParaRPr lang="en-US"/>
+          </a:p>
+        </p:txBody>
+      </p:sp>
+      <p:sp>
+        <p:nvSpPr>
+          <p:cNvPr id="7" name="TextBox 6"/>
+          <p:cNvSpPr txBox="1"/>
+          <p:nvPr/>
+        </p:nvSpPr>
+        <p:spPr>
+          <a:xfrm>
+            <a:off x="969218" y="1647522"/>
+            <a:ext cx="6572922" cy="461665"/>
+          </a:xfrm>
+          <a:prstGeom prst="rect">
+            <a:avLst/>
+          </a:prstGeom>
+          <a:noFill/>
+        </p:spPr>
+        <p:txBody>
+          <a:bodyPr wrap="square" rtlCol="0">
+            <a:spAutoFit/>
+          </a:bodyPr>
+          <a:lstStyle/>
+          <a:p>
+            <a:pPr marL="285750" indent="-285750">
+              <a:buFont typeface="Arial" panose="020B0604020202020204" pitchFamily="34" charset="0"/>
+              <a:buChar char="•"/>
+            </a:pPr>
+            <a:r>
+              <a:rPr lang="en-US" sz="2400" dirty="0" smtClean="0"/>
+              <a:t>Express JS:</a:t>
+            </a:r>
+            <a:endParaRPr lang="en-US" sz="2400" dirty="0" smtClean="0"/>
+          </a:p>
+        </p:txBody>
+      </p:sp>
+      <p:sp>
+        <p:nvSpPr>
+          <p:cNvPr id="5" name="TextBox 4"/>
+          <p:cNvSpPr txBox="1"/>
+          <p:nvPr/>
+        </p:nvSpPr>
+        <p:spPr>
+          <a:xfrm>
+            <a:off x="4823078" y="2715596"/>
+            <a:ext cx="1819073" cy="461665"/>
+          </a:xfrm>
+          <a:prstGeom prst="rect">
+            <a:avLst/>
+          </a:prstGeom>
+          <a:noFill/>
+        </p:spPr>
+        <p:txBody>
+          <a:bodyPr wrap="square" rtlCol="0">
+            <a:spAutoFit/>
+          </a:bodyPr>
+          <a:lstStyle/>
+          <a:p>
+            <a:r>
+              <a:rPr lang="en-US" sz="2400" dirty="0" smtClean="0"/>
+              <a:t>Middleware</a:t>
+            </a:r>
+            <a:endParaRPr lang="en-US" sz="2400" dirty="0"/>
+          </a:p>
+        </p:txBody>
+      </p:sp>
+      <p:sp>
+        <p:nvSpPr>
+          <p:cNvPr id="6" name="TextBox 5"/>
+          <p:cNvSpPr txBox="1"/>
+          <p:nvPr/>
+        </p:nvSpPr>
+        <p:spPr>
+          <a:xfrm>
+            <a:off x="660101" y="2761762"/>
+            <a:ext cx="2311238" cy="461665"/>
+          </a:xfrm>
+          <a:prstGeom prst="rect">
+            <a:avLst/>
+          </a:prstGeom>
+          <a:noFill/>
+        </p:spPr>
+        <p:txBody>
+          <a:bodyPr wrap="square" rtlCol="0">
+            <a:spAutoFit/>
+          </a:bodyPr>
+          <a:lstStyle/>
+          <a:p>
+            <a:r>
+              <a:rPr lang="en-US" sz="2400" dirty="0" smtClean="0"/>
+              <a:t>Client request</a:t>
+            </a:r>
+            <a:endParaRPr lang="en-US" sz="2400" dirty="0"/>
+          </a:p>
+        </p:txBody>
+      </p:sp>
+      <p:sp>
+        <p:nvSpPr>
+          <p:cNvPr id="8" name="TextBox 7"/>
+          <p:cNvSpPr txBox="1"/>
+          <p:nvPr/>
+        </p:nvSpPr>
+        <p:spPr>
+          <a:xfrm>
+            <a:off x="8978530" y="2700348"/>
+            <a:ext cx="2785102" cy="461665"/>
+          </a:xfrm>
+          <a:prstGeom prst="rect">
+            <a:avLst/>
+          </a:prstGeom>
+          <a:noFill/>
+        </p:spPr>
+        <p:txBody>
+          <a:bodyPr wrap="square" rtlCol="0">
+            <a:spAutoFit/>
+          </a:bodyPr>
+          <a:lstStyle/>
+          <a:p>
+            <a:r>
+              <a:rPr lang="en-US" sz="2400" dirty="0" smtClean="0"/>
+              <a:t>Revolve the request</a:t>
+            </a:r>
+            <a:endParaRPr lang="en-US" sz="2400" dirty="0"/>
+          </a:p>
+        </p:txBody>
+      </p:sp>
+      <p:sp>
+        <p:nvSpPr>
+          <p:cNvPr id="10" name="Rounded Rectangle 9"/>
+          <p:cNvSpPr/>
+          <p:nvPr/>
+        </p:nvSpPr>
+        <p:spPr>
+          <a:xfrm>
+            <a:off x="3908398" y="3223427"/>
+            <a:ext cx="3670812" cy="2484235"/>
+          </a:xfrm>
+          <a:prstGeom prst="roundRect">
+            <a:avLst/>
+          </a:prstGeom>
+          <a:solidFill>
+            <a:schemeClr val="tx1">
+              <a:lumMod val="75000"/>
+              <a:lumOff val="25000"/>
+            </a:schemeClr>
+          </a:solidFill>
+          <a:ln w="50800">
+            <a:solidFill>
+              <a:schemeClr val="bg1">
+                <a:lumMod val="65000"/>
+              </a:schemeClr>
+            </a:solidFill>
+          </a:ln>
+        </p:spPr>
+        <p:style>
+          <a:lnRef idx="2">
+            <a:schemeClr val="accent1">
+              <a:shade val="50000"/>
+            </a:schemeClr>
+          </a:lnRef>
+          <a:fillRef idx="1">
+            <a:schemeClr val="accent1"/>
+          </a:fillRef>
+          <a:effectRef idx="0">
+            <a:schemeClr val="accent1"/>
+          </a:effectRef>
+          <a:fontRef idx="minor">
+            <a:schemeClr val="lt1"/>
+          </a:fontRef>
+        </p:style>
+        <p:txBody>
+          <a:bodyPr rtlCol="0" anchor="ctr"/>
+          <a:lstStyle/>
+          <a:p>
+            <a:r>
+              <a:rPr lang="en-US" dirty="0" err="1" smtClean="0"/>
+              <a:t>App.use</a:t>
+            </a:r>
+            <a:r>
+              <a:rPr lang="en-US" dirty="0" smtClean="0"/>
+              <a:t> (function ( </a:t>
+            </a:r>
+            <a:r>
+              <a:rPr lang="en-US" dirty="0" err="1" smtClean="0"/>
+              <a:t>req</a:t>
+            </a:r>
+            <a:r>
+              <a:rPr lang="en-US" dirty="0" smtClean="0"/>
+              <a:t>, res, next) {</a:t>
+            </a:r>
+          </a:p>
+          <a:p>
+            <a:r>
+              <a:rPr lang="en-US" dirty="0"/>
+              <a:t> </a:t>
+            </a:r>
+            <a:r>
+              <a:rPr lang="en-US" dirty="0" smtClean="0"/>
+              <a:t>   // do something before</a:t>
+            </a:r>
+            <a:endParaRPr lang="en-US" dirty="0"/>
+          </a:p>
+          <a:p>
+            <a:r>
+              <a:rPr lang="en-US" dirty="0" smtClean="0"/>
+              <a:t>})</a:t>
+            </a:r>
+            <a:endParaRPr lang="en-US" dirty="0"/>
+          </a:p>
+        </p:txBody>
+      </p:sp>
+      <p:sp>
+        <p:nvSpPr>
+          <p:cNvPr id="11" name="Rounded Rectangle 10"/>
+          <p:cNvSpPr/>
+          <p:nvPr/>
+        </p:nvSpPr>
+        <p:spPr>
+          <a:xfrm>
+            <a:off x="8282881" y="3177260"/>
+            <a:ext cx="3670812" cy="2484235"/>
+          </a:xfrm>
+          <a:prstGeom prst="roundRect">
+            <a:avLst/>
+          </a:prstGeom>
+          <a:solidFill>
+            <a:schemeClr val="tx1">
+              <a:lumMod val="75000"/>
+              <a:lumOff val="25000"/>
+            </a:schemeClr>
+          </a:solidFill>
+          <a:ln w="50800">
+            <a:solidFill>
+              <a:schemeClr val="bg1">
+                <a:lumMod val="65000"/>
+              </a:schemeClr>
+            </a:solidFill>
+          </a:ln>
+        </p:spPr>
+        <p:style>
+          <a:lnRef idx="2">
+            <a:schemeClr val="accent1">
+              <a:shade val="50000"/>
+            </a:schemeClr>
+          </a:lnRef>
+          <a:fillRef idx="1">
+            <a:schemeClr val="accent1"/>
+          </a:fillRef>
+          <a:effectRef idx="0">
+            <a:schemeClr val="accent1"/>
+          </a:effectRef>
+          <a:fontRef idx="minor">
+            <a:schemeClr val="lt1"/>
+          </a:fontRef>
+        </p:style>
+        <p:txBody>
+          <a:bodyPr rtlCol="0" anchor="ctr"/>
+          <a:lstStyle/>
+          <a:p>
+            <a:r>
+              <a:rPr lang="en-US" dirty="0" err="1" smtClean="0"/>
+              <a:t>App.METHOD</a:t>
+            </a:r>
+            <a:r>
+              <a:rPr lang="en-US" dirty="0" smtClean="0"/>
+              <a:t> =&gt; handle request</a:t>
+            </a:r>
+            <a:endParaRPr lang="en-US" dirty="0"/>
+          </a:p>
+        </p:txBody>
+      </p:sp>
+      <p:sp>
+        <p:nvSpPr>
+          <p:cNvPr id="12" name="Rounded Rectangle 11"/>
+          <p:cNvSpPr/>
+          <p:nvPr/>
+        </p:nvSpPr>
+        <p:spPr>
+          <a:xfrm>
+            <a:off x="578667" y="3569829"/>
+            <a:ext cx="2509366" cy="1699095"/>
+          </a:xfrm>
+          <a:prstGeom prst="roundRect">
+            <a:avLst/>
+          </a:prstGeom>
+          <a:solidFill>
+            <a:schemeClr val="tx1">
+              <a:lumMod val="75000"/>
+              <a:lumOff val="25000"/>
+            </a:schemeClr>
+          </a:solidFill>
+          <a:ln w="50800">
+            <a:solidFill>
+              <a:schemeClr val="bg1">
+                <a:lumMod val="65000"/>
+              </a:schemeClr>
+            </a:solidFill>
+          </a:ln>
+        </p:spPr>
+        <p:style>
+          <a:lnRef idx="2">
+            <a:schemeClr val="accent1">
+              <a:shade val="50000"/>
+            </a:schemeClr>
+          </a:lnRef>
+          <a:fillRef idx="1">
+            <a:schemeClr val="accent1"/>
+          </a:fillRef>
+          <a:effectRef idx="0">
+            <a:schemeClr val="accent1"/>
+          </a:effectRef>
+          <a:fontRef idx="minor">
+            <a:schemeClr val="lt1"/>
+          </a:fontRef>
+        </p:style>
+        <p:txBody>
+          <a:bodyPr rtlCol="0" anchor="ctr"/>
+          <a:lstStyle/>
+          <a:p>
+            <a:r>
+              <a:rPr lang="en-US" dirty="0" smtClean="0"/>
+              <a:t>Request something</a:t>
+            </a:r>
+            <a:endParaRPr lang="en-US" dirty="0"/>
+          </a:p>
+        </p:txBody>
+      </p:sp>
+    </p:spTree>
+    <p:extLst>
+      <p:ext uri="{BB962C8B-B14F-4D97-AF65-F5344CB8AC3E}">
+        <p14:creationId xmlns:p14="http://schemas.microsoft.com/office/powerpoint/2010/main" val="1412370475"/>
+      </p:ext>
+    </p:extLst>
+  </p:cSld>
+  <p:clrMapOvr>
+    <a:masterClrMapping/>
+  </p:clrMapOvr>
+  <p:timing>
+    <p:tnLst>
+      <p:par>
+        <p:cTn id="1" dur="indefinite" restart="never" nodeType="tmRoot"/>
+      </p:par>
+    </p:tnLst>
+  </p:timing>
+</p:sld>
+</file>
+
+<file path=ppt/slides/slide15.xml><?xml version="1.0" encoding="utf-8"?>
+<p:sld xmlns:a="http://schemas.openxmlformats.org/drawingml/2006/main" xmlns:r="http://schemas.openxmlformats.org/officeDocument/2006/relationships" xmlns:p="http://schemas.openxmlformats.org/presentationml/2006/main">
+  <p:cSld>
+    <p:spTree>
+      <p:nvGrpSpPr>
+        <p:cNvPr id="1" name=""/>
+        <p:cNvGrpSpPr/>
+        <p:nvPr/>
+      </p:nvGrpSpPr>
+      <p:grpSpPr>
+        <a:xfrm>
+          <a:off x="0" y="0"/>
+          <a:ext cx="0" cy="0"/>
+          <a:chOff x="0" y="0"/>
+          <a:chExt cx="0" cy="0"/>
+        </a:xfrm>
+      </p:grpSpPr>
+      <p:sp>
+        <p:nvSpPr>
+          <p:cNvPr id="2" name="Title 1"/>
+          <p:cNvSpPr>
+            <a:spLocks noGrp="1"/>
+          </p:cNvSpPr>
+          <p:nvPr>
+            <p:ph type="title"/>
+          </p:nvPr>
+        </p:nvSpPr>
+        <p:spPr>
+          <a:xfrm>
+            <a:off x="838200" y="365125"/>
+            <a:ext cx="10515600" cy="577267"/>
+          </a:xfrm>
+        </p:spPr>
+        <p:txBody>
+          <a:bodyPr>
+            <a:normAutofit fontScale="90000"/>
+          </a:bodyPr>
+          <a:lstStyle/>
+          <a:p>
+            <a:r>
+              <a:rPr lang="en-US" sz="5400" b="1" dirty="0" smtClean="0"/>
+              <a:t>References:</a:t>
+            </a:r>
+          </a:p>
+        </p:txBody>
+      </p:sp>
+      <p:sp>
+        <p:nvSpPr>
+          <p:cNvPr id="4" name="AutoShape 4" descr="Image result for socket io"/>
+          <p:cNvSpPr>
+            <a:spLocks noChangeAspect="1" noChangeArrowheads="1"/>
+          </p:cNvSpPr>
+          <p:nvPr/>
+        </p:nvSpPr>
+        <p:spPr bwMode="auto">
+          <a:xfrm>
+            <a:off x="155575" y="-144463"/>
+            <a:ext cx="304800" cy="304801"/>
+          </a:xfrm>
+          <a:prstGeom prst="rect">
+            <a:avLst/>
+          </a:prstGeom>
+          <a:noFill/>
+          <a:extLst>
+            <a:ext uri="{909E8E84-426E-40DD-AFC4-6F175D3DCCD1}">
+              <a14:hiddenFill xmlns:a14="http://schemas.microsoft.com/office/drawing/2010/main">
+                <a:solidFill>
+                  <a:srgbClr val="FFFFFF"/>
+                </a:solidFill>
+              </a14:hiddenFill>
+            </a:ext>
+          </a:extLst>
+        </p:spPr>
+        <p:txBody>
+          <a:bodyPr vert="horz" wrap="square" lIns="91440" tIns="45720" rIns="91440" bIns="45720" numCol="1" anchor="t" anchorCtr="0" compatLnSpc="1">
+            <a:prstTxWarp prst="textNoShape">
+              <a:avLst/>
+            </a:prstTxWarp>
+          </a:bodyPr>
+          <a:lstStyle/>
+          <a:p>
+            <a:endParaRPr lang="en-US"/>
+          </a:p>
+        </p:txBody>
+      </p:sp>
+      <p:sp>
+        <p:nvSpPr>
+          <p:cNvPr id="3" name="TextBox 2"/>
+          <p:cNvSpPr txBox="1"/>
+          <p:nvPr/>
+        </p:nvSpPr>
+        <p:spPr>
+          <a:xfrm>
+            <a:off x="838200" y="2360140"/>
+            <a:ext cx="11456773" cy="2169825"/>
+          </a:xfrm>
+          <a:prstGeom prst="rect">
+            <a:avLst/>
+          </a:prstGeom>
+          <a:noFill/>
+        </p:spPr>
+        <p:txBody>
+          <a:bodyPr wrap="square" rtlCol="0">
+            <a:spAutoFit/>
+          </a:bodyPr>
+          <a:lstStyle/>
+          <a:p>
+            <a:pPr>
+              <a:lnSpc>
+                <a:spcPct val="150000"/>
+              </a:lnSpc>
+            </a:pPr>
+            <a:r>
+              <a:rPr lang="en-US" dirty="0" smtClean="0"/>
+              <a:t>How </a:t>
+            </a:r>
+            <a:r>
+              <a:rPr lang="en-US" dirty="0" err="1" smtClean="0"/>
+              <a:t>Nodejs</a:t>
+            </a:r>
+            <a:r>
+              <a:rPr lang="en-US" dirty="0" smtClean="0"/>
+              <a:t> Work: </a:t>
+            </a:r>
+            <a:r>
+              <a:rPr lang="en-US" dirty="0">
+                <a:hlinkClick r:id="rId2"/>
+              </a:rPr>
+              <a:t>https://</a:t>
+            </a:r>
+            <a:r>
+              <a:rPr lang="en-US" dirty="0" smtClean="0">
+                <a:hlinkClick r:id="rId2"/>
+              </a:rPr>
+              <a:t>www.youtube.com/watch?v=jOupHNvDIq8</a:t>
+            </a:r>
+            <a:endParaRPr lang="en-US" dirty="0" smtClean="0"/>
+          </a:p>
+          <a:p>
+            <a:pPr>
+              <a:lnSpc>
+                <a:spcPct val="150000"/>
+              </a:lnSpc>
+            </a:pPr>
+            <a:r>
+              <a:rPr lang="en-US" dirty="0" err="1" smtClean="0"/>
+              <a:t>Undertanding</a:t>
+            </a:r>
+            <a:r>
+              <a:rPr lang="en-US" dirty="0"/>
+              <a:t> </a:t>
+            </a:r>
+            <a:r>
+              <a:rPr lang="en-US" dirty="0" smtClean="0"/>
+              <a:t>non-blocking: </a:t>
+            </a:r>
+            <a:r>
+              <a:rPr lang="en-US" dirty="0" smtClean="0">
+                <a:hlinkClick r:id="rId3"/>
+              </a:rPr>
+              <a:t>https</a:t>
+            </a:r>
+            <a:r>
+              <a:rPr lang="en-US" dirty="0">
+                <a:hlinkClick r:id="rId3"/>
+              </a:rPr>
+              <a:t>://</a:t>
+            </a:r>
+            <a:r>
+              <a:rPr lang="en-US" dirty="0" smtClean="0">
+                <a:hlinkClick r:id="rId3"/>
+              </a:rPr>
+              <a:t>www.youtube.com/watch?v=8aGhZQkoFbQ</a:t>
+            </a:r>
+            <a:r>
+              <a:rPr lang="en-US" dirty="0" smtClean="0">
+                <a:hlinkClick r:id="rId4"/>
+              </a:rPr>
+              <a:t>?t=760</a:t>
+            </a:r>
+            <a:endParaRPr lang="en-US" dirty="0"/>
+          </a:p>
+          <a:p>
+            <a:pPr>
+              <a:lnSpc>
+                <a:spcPct val="150000"/>
+              </a:lnSpc>
+            </a:pPr>
+            <a:r>
+              <a:rPr lang="en-US" dirty="0" smtClean="0"/>
+              <a:t>Electron Application: </a:t>
+            </a:r>
+            <a:r>
+              <a:rPr lang="en-US" dirty="0">
+                <a:hlinkClick r:id="rId5"/>
+              </a:rPr>
+              <a:t>https://brainhub.eu/blog/electron-framework-example-apps</a:t>
+            </a:r>
+            <a:r>
+              <a:rPr lang="en-US" dirty="0" smtClean="0">
+                <a:hlinkClick r:id="rId5"/>
+              </a:rPr>
+              <a:t>/</a:t>
+            </a:r>
+            <a:endParaRPr lang="en-US" dirty="0" smtClean="0"/>
+          </a:p>
+          <a:p>
+            <a:pPr>
+              <a:lnSpc>
+                <a:spcPct val="150000"/>
+              </a:lnSpc>
+            </a:pPr>
+            <a:r>
+              <a:rPr lang="en-US" dirty="0" smtClean="0"/>
+              <a:t>How </a:t>
+            </a:r>
+            <a:r>
+              <a:rPr lang="en-US" dirty="0" err="1" smtClean="0"/>
+              <a:t>Nodejs</a:t>
+            </a:r>
+            <a:r>
+              <a:rPr lang="en-US" dirty="0" smtClean="0"/>
+              <a:t> middleware work: </a:t>
+            </a:r>
+            <a:r>
+              <a:rPr lang="en-US" dirty="0">
+                <a:hlinkClick r:id="rId6"/>
+              </a:rPr>
+              <a:t>https://medium.com/@selvaganesh93/how-node-js-middleware-works-d8e02a936113</a:t>
+            </a:r>
+            <a:endParaRPr lang="en-US" dirty="0" smtClean="0"/>
+          </a:p>
+          <a:p>
+            <a:pPr>
+              <a:lnSpc>
+                <a:spcPct val="150000"/>
+              </a:lnSpc>
+            </a:pPr>
+            <a:r>
+              <a:rPr lang="en-US" dirty="0" err="1"/>
+              <a:t>Github</a:t>
+            </a:r>
+            <a:r>
+              <a:rPr lang="en-US" dirty="0"/>
+              <a:t> resource</a:t>
+            </a:r>
+            <a:r>
+              <a:rPr lang="en-US" dirty="0" smtClean="0"/>
+              <a:t>: </a:t>
+            </a:r>
+            <a:r>
+              <a:rPr lang="en-US" dirty="0" smtClean="0">
+                <a:hlinkClick r:id="rId7"/>
+              </a:rPr>
+              <a:t>https</a:t>
+            </a:r>
+            <a:r>
+              <a:rPr lang="en-US" dirty="0">
+                <a:hlinkClick r:id="rId7"/>
+              </a:rPr>
+              <a:t>://github.com/LeTranAnhVu/todoapp-express-api</a:t>
+            </a:r>
+            <a:endParaRPr lang="en-US" dirty="0"/>
+          </a:p>
+        </p:txBody>
+      </p:sp>
+    </p:spTree>
+    <p:extLst>
+      <p:ext uri="{BB962C8B-B14F-4D97-AF65-F5344CB8AC3E}">
+        <p14:creationId xmlns:p14="http://schemas.microsoft.com/office/powerpoint/2010/main" val="2074150522"/>
+      </p:ext>
+    </p:extLst>
+  </p:cSld>
+  <p:clrMapOvr>
+    <a:masterClrMapping/>
+  </p:clrMapOvr>
+  <p:timing>
+    <p:tnLst>
+      <p:par>
+        <p:cTn id="1" dur="indefinite" restart="never" nodeType="tmRoot"/>
+      </p:par>
+    </p:tnLst>
+  </p:timing>
+</p:sld>
+</file>
+
+<file path=ppt/slides/slide16.xml><?xml version="1.0" encoding="utf-8"?>
+<p:sld xmlns:a="http://schemas.openxmlformats.org/drawingml/2006/main" xmlns:r="http://schemas.openxmlformats.org/officeDocument/2006/relationships" xmlns:p="http://schemas.openxmlformats.org/presentationml/2006/main">
+  <p:cSld>
+    <p:spTree>
+      <p:nvGrpSpPr>
+        <p:cNvPr id="1" name=""/>
+        <p:cNvGrpSpPr/>
+        <p:nvPr/>
+      </p:nvGrpSpPr>
+      <p:grpSpPr>
+        <a:xfrm>
+          <a:off x="0" y="0"/>
+          <a:ext cx="0" cy="0"/>
+          <a:chOff x="0" y="0"/>
+          <a:chExt cx="0" cy="0"/>
+        </a:xfrm>
+      </p:grpSpPr>
+      <p:sp>
+        <p:nvSpPr>
+          <p:cNvPr id="2" name="Title 1"/>
+          <p:cNvSpPr>
+            <a:spLocks noGrp="1"/>
+          </p:cNvSpPr>
+          <p:nvPr>
+            <p:ph type="title"/>
+          </p:nvPr>
+        </p:nvSpPr>
+        <p:spPr>
+          <a:xfrm>
             <a:off x="1469510" y="2051223"/>
             <a:ext cx="5701527" cy="2116284"/>
           </a:xfrm>
@@ -4716,14 +5982,6 @@
               </a:rPr>
               <a:t>Thank you for your listening</a:t>
             </a:r>
-            <a:endParaRPr lang="en-US" sz="6000" b="1" dirty="0" smtClean="0">
-              <a:solidFill>
-                <a:schemeClr val="tx1">
-                  <a:lumMod val="65000"/>
-                  <a:lumOff val="35000"/>
-                </a:schemeClr>
-              </a:solidFill>
-            </a:endParaRPr>
           </a:p>
         </p:txBody>
       </p:sp>
@@ -6067,8 +7325,8 @@
         </p:nvSpPr>
         <p:spPr>
           <a:xfrm>
-            <a:off x="1678192" y="2990627"/>
-            <a:ext cx="9337637" cy="646331"/>
+            <a:off x="1610060" y="2409859"/>
+            <a:ext cx="9337637" cy="2308324"/>
           </a:xfrm>
           <a:prstGeom prst="rect">
             <a:avLst/>
@@ -6095,8 +7353,54 @@
                   <a:schemeClr val="bg1"/>
                 </a:solidFill>
               </a:rPr>
-              <a:t> event driven JavaScript runtime</a:t>
-            </a:r>
+              <a:t> event driven JavaScript </a:t>
+            </a:r>
+            <a:r>
+              <a:rPr lang="en-US" sz="3600" smtClean="0">
+                <a:solidFill>
+                  <a:schemeClr val="bg1"/>
+                </a:solidFill>
+              </a:rPr>
+              <a:t>runtime.</a:t>
+            </a:r>
+          </a:p>
+          <a:p>
+            <a:endParaRPr lang="en-US" sz="3600" dirty="0" smtClean="0">
+              <a:solidFill>
+                <a:schemeClr val="bg1"/>
+              </a:solidFill>
+            </a:endParaRPr>
+          </a:p>
+          <a:p>
+            <a:r>
+              <a:rPr lang="en-US" sz="3600" dirty="0">
+                <a:solidFill>
+                  <a:schemeClr val="bg1"/>
+                </a:solidFill>
+              </a:rPr>
+              <a:t>T</a:t>
+            </a:r>
+            <a:r>
+              <a:rPr lang="en-US" sz="3600" dirty="0" smtClean="0">
+                <a:solidFill>
+                  <a:schemeClr val="bg1"/>
+                </a:solidFill>
+              </a:rPr>
+              <a:t>hat </a:t>
+            </a:r>
+            <a:r>
+              <a:rPr lang="en-US" sz="3600" dirty="0">
+                <a:solidFill>
+                  <a:schemeClr val="bg1"/>
+                </a:solidFill>
+              </a:rPr>
+              <a:t>executes JavaScript code outside of a browser</a:t>
+            </a:r>
+            <a:endParaRPr lang="en-US" sz="3600" dirty="0" smtClean="0">
+              <a:solidFill>
+                <a:schemeClr val="bg1"/>
+              </a:solidFill>
+            </a:endParaRPr>
           </a:p>
         </p:txBody>
       </p:sp>
@@ -6108,7 +7412,7 @@
         </p:nvSpPr>
         <p:spPr>
           <a:xfrm>
-            <a:off x="1678192" y="3636958"/>
+            <a:off x="4526255" y="6550223"/>
             <a:ext cx="8971879" cy="307777"/>
           </a:xfrm>
           <a:prstGeom prst="rect">
@@ -7069,7 +8373,7 @@
         </p:nvSpPr>
         <p:spPr>
           <a:xfrm>
-            <a:off x="4178447" y="6206247"/>
+            <a:off x="4524436" y="6512571"/>
             <a:ext cx="8971879" cy="307777"/>
           </a:xfrm>
           <a:prstGeom prst="rect">

--- a/doc/Introduction of Nodejs.pptx
+++ b/doc/Introduction of Nodejs.pptx
@@ -19,8 +19,10 @@
     <p:sldId id="269" r:id="rId13"/>
     <p:sldId id="272" r:id="rId14"/>
     <p:sldId id="273" r:id="rId15"/>
-    <p:sldId id="270" r:id="rId16"/>
-    <p:sldId id="271" r:id="rId17"/>
+    <p:sldId id="274" r:id="rId16"/>
+    <p:sldId id="275" r:id="rId17"/>
+    <p:sldId id="270" r:id="rId18"/>
+    <p:sldId id="271" r:id="rId19"/>
   </p:sldIdLst>
   <p:sldSz cx="12192000" cy="6858000"/>
   <p:notesSz cx="6858000" cy="9144000"/>
@@ -4521,7 +4523,6 @@
               <a:rPr lang="en-US" dirty="0" smtClean="0"/>
               <a:t>Restful API:</a:t>
             </a:r>
-            <a:endParaRPr lang="en-US" dirty="0" smtClean="0"/>
           </a:p>
         </p:txBody>
       </p:sp>
@@ -5328,7 +5329,11 @@
             </a:pPr>
             <a:r>
               <a:rPr lang="en-US" sz="2400" dirty="0" smtClean="0"/>
-              <a:t>Express JS:</a:t>
+              <a:t>Express </a:t>
+            </a:r>
+            <a:r>
+              <a:rPr lang="en-US" sz="2400" dirty="0" smtClean="0"/>
+              <a:t>JS-middleware:</a:t>
             </a:r>
             <a:endParaRPr lang="en-US" sz="2400" dirty="0" smtClean="0"/>
           </a:p>
@@ -5686,6 +5691,1855 @@
           <a:p>
             <a:r>
               <a:rPr lang="en-US" sz="5400" b="1" dirty="0" smtClean="0"/>
+              <a:t>Demo Simple Express Server  </a:t>
+            </a:r>
+          </a:p>
+        </p:txBody>
+      </p:sp>
+      <p:sp>
+        <p:nvSpPr>
+          <p:cNvPr id="4" name="AutoShape 4" descr="Image result for socket io"/>
+          <p:cNvSpPr>
+            <a:spLocks noChangeAspect="1" noChangeArrowheads="1"/>
+          </p:cNvSpPr>
+          <p:nvPr/>
+        </p:nvSpPr>
+        <p:spPr bwMode="auto">
+          <a:xfrm>
+            <a:off x="155575" y="-144463"/>
+            <a:ext cx="304800" cy="304801"/>
+          </a:xfrm>
+          <a:prstGeom prst="rect">
+            <a:avLst/>
+          </a:prstGeom>
+          <a:noFill/>
+          <a:extLst>
+            <a:ext uri="{909E8E84-426E-40DD-AFC4-6F175D3DCCD1}">
+              <a14:hiddenFill xmlns:a14="http://schemas.microsoft.com/office/drawing/2010/main">
+                <a:solidFill>
+                  <a:srgbClr val="FFFFFF"/>
+                </a:solidFill>
+              </a14:hiddenFill>
+            </a:ext>
+          </a:extLst>
+        </p:spPr>
+        <p:txBody>
+          <a:bodyPr vert="horz" wrap="square" lIns="91440" tIns="45720" rIns="91440" bIns="45720" numCol="1" anchor="t" anchorCtr="0" compatLnSpc="1">
+            <a:prstTxWarp prst="textNoShape">
+              <a:avLst/>
+            </a:prstTxWarp>
+          </a:bodyPr>
+          <a:lstStyle/>
+          <a:p>
+            <a:endParaRPr lang="en-US"/>
+          </a:p>
+        </p:txBody>
+      </p:sp>
+      <p:sp>
+        <p:nvSpPr>
+          <p:cNvPr id="7" name="TextBox 6"/>
+          <p:cNvSpPr txBox="1"/>
+          <p:nvPr/>
+        </p:nvSpPr>
+        <p:spPr>
+          <a:xfrm>
+            <a:off x="969218" y="1647522"/>
+            <a:ext cx="6572922" cy="461665"/>
+          </a:xfrm>
+          <a:prstGeom prst="rect">
+            <a:avLst/>
+          </a:prstGeom>
+          <a:noFill/>
+        </p:spPr>
+        <p:txBody>
+          <a:bodyPr wrap="square" rtlCol="0">
+            <a:spAutoFit/>
+          </a:bodyPr>
+          <a:lstStyle/>
+          <a:p>
+            <a:pPr marL="285750" indent="-285750">
+              <a:buFont typeface="Arial" panose="020B0604020202020204" pitchFamily="34" charset="0"/>
+              <a:buChar char="•"/>
+            </a:pPr>
+            <a:r>
+              <a:rPr lang="en-US" sz="2400" dirty="0" smtClean="0"/>
+              <a:t>Express </a:t>
+            </a:r>
+            <a:r>
+              <a:rPr lang="en-US" sz="2400" dirty="0" smtClean="0"/>
+              <a:t>JS-middleware:</a:t>
+            </a:r>
+            <a:endParaRPr lang="en-US" sz="2400" dirty="0" smtClean="0"/>
+          </a:p>
+        </p:txBody>
+      </p:sp>
+      <p:sp>
+        <p:nvSpPr>
+          <p:cNvPr id="5" name="TextBox 4"/>
+          <p:cNvSpPr txBox="1"/>
+          <p:nvPr/>
+        </p:nvSpPr>
+        <p:spPr>
+          <a:xfrm>
+            <a:off x="969218" y="2511584"/>
+            <a:ext cx="3046598" cy="461665"/>
+          </a:xfrm>
+          <a:prstGeom prst="rect">
+            <a:avLst/>
+          </a:prstGeom>
+          <a:noFill/>
+        </p:spPr>
+        <p:txBody>
+          <a:bodyPr wrap="square" rtlCol="0">
+            <a:spAutoFit/>
+          </a:bodyPr>
+          <a:lstStyle/>
+          <a:p>
+            <a:r>
+              <a:rPr lang="en-US" sz="2400" smtClean="0"/>
+              <a:t>General </a:t>
+            </a:r>
+            <a:r>
+              <a:rPr lang="en-US" sz="2400" smtClean="0"/>
+              <a:t>Middleware</a:t>
+            </a:r>
+            <a:endParaRPr lang="en-US" sz="2400" dirty="0"/>
+          </a:p>
+        </p:txBody>
+      </p:sp>
+      <p:sp>
+        <p:nvSpPr>
+          <p:cNvPr id="8" name="TextBox 7"/>
+          <p:cNvSpPr txBox="1"/>
+          <p:nvPr/>
+        </p:nvSpPr>
+        <p:spPr>
+          <a:xfrm>
+            <a:off x="7431958" y="2511584"/>
+            <a:ext cx="2785102" cy="461665"/>
+          </a:xfrm>
+          <a:prstGeom prst="rect">
+            <a:avLst/>
+          </a:prstGeom>
+          <a:noFill/>
+        </p:spPr>
+        <p:txBody>
+          <a:bodyPr wrap="square" rtlCol="0">
+            <a:spAutoFit/>
+          </a:bodyPr>
+          <a:lstStyle/>
+          <a:p>
+            <a:r>
+              <a:rPr lang="en-US" sz="2400" smtClean="0"/>
+              <a:t>Specific Middleware</a:t>
+            </a:r>
+            <a:endParaRPr lang="en-US" sz="2400" dirty="0"/>
+          </a:p>
+        </p:txBody>
+      </p:sp>
+      <p:sp>
+        <p:nvSpPr>
+          <p:cNvPr id="10" name="Rounded Rectangle 9"/>
+          <p:cNvSpPr/>
+          <p:nvPr/>
+        </p:nvSpPr>
+        <p:spPr>
+          <a:xfrm>
+            <a:off x="581539" y="3067785"/>
+            <a:ext cx="3670812" cy="2484235"/>
+          </a:xfrm>
+          <a:prstGeom prst="roundRect">
+            <a:avLst/>
+          </a:prstGeom>
+          <a:solidFill>
+            <a:schemeClr val="tx1">
+              <a:lumMod val="75000"/>
+              <a:lumOff val="25000"/>
+            </a:schemeClr>
+          </a:solidFill>
+          <a:ln w="50800">
+            <a:solidFill>
+              <a:schemeClr val="bg1">
+                <a:lumMod val="65000"/>
+              </a:schemeClr>
+            </a:solidFill>
+          </a:ln>
+        </p:spPr>
+        <p:style>
+          <a:lnRef idx="2">
+            <a:schemeClr val="accent1">
+              <a:shade val="50000"/>
+            </a:schemeClr>
+          </a:lnRef>
+          <a:fillRef idx="1">
+            <a:schemeClr val="accent1"/>
+          </a:fillRef>
+          <a:effectRef idx="0">
+            <a:schemeClr val="accent1"/>
+          </a:effectRef>
+          <a:fontRef idx="minor">
+            <a:schemeClr val="lt1"/>
+          </a:fontRef>
+        </p:style>
+        <p:txBody>
+          <a:bodyPr rtlCol="0" anchor="ctr"/>
+          <a:lstStyle/>
+          <a:p>
+            <a:r>
+              <a:rPr lang="en-US" sz="1500" dirty="0" err="1" smtClean="0">
+                <a:solidFill>
+                  <a:schemeClr val="accent4">
+                    <a:lumMod val="60000"/>
+                    <a:lumOff val="40000"/>
+                  </a:schemeClr>
+                </a:solidFill>
+              </a:rPr>
+              <a:t>App.use</a:t>
+            </a:r>
+            <a:r>
+              <a:rPr lang="en-US" sz="1500" dirty="0" smtClean="0">
+                <a:solidFill>
+                  <a:schemeClr val="accent4">
+                    <a:lumMod val="60000"/>
+                    <a:lumOff val="40000"/>
+                  </a:schemeClr>
+                </a:solidFill>
+              </a:rPr>
+              <a:t> (function ( </a:t>
+            </a:r>
+            <a:r>
+              <a:rPr lang="en-US" sz="1500" dirty="0" err="1" smtClean="0">
+                <a:solidFill>
+                  <a:schemeClr val="accent4">
+                    <a:lumMod val="60000"/>
+                    <a:lumOff val="40000"/>
+                  </a:schemeClr>
+                </a:solidFill>
+              </a:rPr>
+              <a:t>req</a:t>
+            </a:r>
+            <a:r>
+              <a:rPr lang="en-US" sz="1500" dirty="0" smtClean="0">
+                <a:solidFill>
+                  <a:schemeClr val="accent4">
+                    <a:lumMod val="60000"/>
+                    <a:lumOff val="40000"/>
+                  </a:schemeClr>
+                </a:solidFill>
+              </a:rPr>
+              <a:t>, res, next) {</a:t>
+            </a:r>
+          </a:p>
+          <a:p>
+            <a:r>
+              <a:rPr lang="en-US" sz="1500" dirty="0">
+                <a:solidFill>
+                  <a:schemeClr val="bg1"/>
+                </a:solidFill>
+              </a:rPr>
+              <a:t> </a:t>
+            </a:r>
+            <a:r>
+              <a:rPr lang="en-US" sz="1500" dirty="0" smtClean="0">
+                <a:solidFill>
+                  <a:schemeClr val="bg1"/>
+                </a:solidFill>
+              </a:rPr>
+              <a:t>   // do something before</a:t>
+            </a:r>
+            <a:endParaRPr lang="en-US" sz="1500" dirty="0">
+              <a:solidFill>
+                <a:schemeClr val="bg1"/>
+              </a:solidFill>
+            </a:endParaRPr>
+          </a:p>
+          <a:p>
+            <a:r>
+              <a:rPr lang="en-US" sz="1500" dirty="0" smtClean="0">
+                <a:solidFill>
+                  <a:schemeClr val="accent4">
+                    <a:lumMod val="60000"/>
+                    <a:lumOff val="40000"/>
+                  </a:schemeClr>
+                </a:solidFill>
+              </a:rPr>
+              <a:t>})</a:t>
+            </a:r>
+          </a:p>
+          <a:p>
+            <a:endParaRPr lang="en-US" sz="1500" dirty="0"/>
+          </a:p>
+          <a:p>
+            <a:r>
+              <a:rPr lang="en-US" sz="1500" dirty="0" smtClean="0"/>
+              <a:t>// this </a:t>
+            </a:r>
+            <a:r>
+              <a:rPr lang="en-US" sz="1500" dirty="0" smtClean="0">
+                <a:solidFill>
+                  <a:schemeClr val="accent4">
+                    <a:lumMod val="60000"/>
+                    <a:lumOff val="40000"/>
+                  </a:schemeClr>
+                </a:solidFill>
+              </a:rPr>
+              <a:t>middleware</a:t>
+            </a:r>
+            <a:r>
+              <a:rPr lang="en-US" sz="1500" dirty="0" smtClean="0">
+                <a:solidFill>
+                  <a:schemeClr val="accent4">
+                    <a:lumMod val="40000"/>
+                    <a:lumOff val="60000"/>
+                  </a:schemeClr>
+                </a:solidFill>
+              </a:rPr>
+              <a:t> </a:t>
+            </a:r>
+            <a:r>
+              <a:rPr lang="en-US" sz="1500" dirty="0" smtClean="0"/>
+              <a:t>use for </a:t>
+            </a:r>
+            <a:r>
+              <a:rPr lang="en-US" sz="1500" dirty="0" smtClean="0">
+                <a:solidFill>
+                  <a:schemeClr val="accent4">
+                    <a:lumMod val="60000"/>
+                    <a:lumOff val="40000"/>
+                  </a:schemeClr>
+                </a:solidFill>
+              </a:rPr>
+              <a:t>all route and methods</a:t>
+            </a:r>
+            <a:endParaRPr lang="en-US" sz="1500" dirty="0">
+              <a:solidFill>
+                <a:schemeClr val="accent4">
+                  <a:lumMod val="60000"/>
+                  <a:lumOff val="40000"/>
+                </a:schemeClr>
+              </a:solidFill>
+            </a:endParaRPr>
+          </a:p>
+        </p:txBody>
+      </p:sp>
+      <p:sp>
+        <p:nvSpPr>
+          <p:cNvPr id="11" name="Rounded Rectangle 10"/>
+          <p:cNvSpPr/>
+          <p:nvPr/>
+        </p:nvSpPr>
+        <p:spPr>
+          <a:xfrm>
+            <a:off x="6989103" y="3022436"/>
+            <a:ext cx="3670812" cy="2484235"/>
+          </a:xfrm>
+          <a:prstGeom prst="roundRect">
+            <a:avLst/>
+          </a:prstGeom>
+          <a:solidFill>
+            <a:schemeClr val="tx1">
+              <a:lumMod val="75000"/>
+              <a:lumOff val="25000"/>
+            </a:schemeClr>
+          </a:solidFill>
+          <a:ln w="50800">
+            <a:solidFill>
+              <a:schemeClr val="bg1">
+                <a:lumMod val="65000"/>
+              </a:schemeClr>
+            </a:solidFill>
+          </a:ln>
+        </p:spPr>
+        <p:style>
+          <a:lnRef idx="2">
+            <a:schemeClr val="accent1">
+              <a:shade val="50000"/>
+            </a:schemeClr>
+          </a:lnRef>
+          <a:fillRef idx="1">
+            <a:schemeClr val="accent1"/>
+          </a:fillRef>
+          <a:effectRef idx="0">
+            <a:schemeClr val="accent1"/>
+          </a:effectRef>
+          <a:fontRef idx="minor">
+            <a:schemeClr val="lt1"/>
+          </a:fontRef>
+        </p:style>
+        <p:txBody>
+          <a:bodyPr rtlCol="0" anchor="ctr"/>
+          <a:lstStyle/>
+          <a:p>
+            <a:r>
+              <a:rPr lang="en-US" sz="1500" dirty="0" smtClean="0"/>
+              <a:t>Function </a:t>
+            </a:r>
+            <a:r>
+              <a:rPr lang="en-US" sz="1500" dirty="0" err="1" smtClean="0">
+                <a:solidFill>
+                  <a:schemeClr val="accent4">
+                    <a:lumMod val="60000"/>
+                    <a:lumOff val="40000"/>
+                  </a:schemeClr>
+                </a:solidFill>
+              </a:rPr>
+              <a:t>mAuth</a:t>
+            </a:r>
+            <a:r>
+              <a:rPr lang="en-US" sz="1500" dirty="0" smtClean="0">
+                <a:solidFill>
+                  <a:schemeClr val="accent4">
+                    <a:lumMod val="60000"/>
+                    <a:lumOff val="40000"/>
+                  </a:schemeClr>
+                </a:solidFill>
+              </a:rPr>
+              <a:t> </a:t>
+            </a:r>
+            <a:r>
+              <a:rPr lang="en-US" sz="1500" dirty="0" smtClean="0"/>
+              <a:t>() {</a:t>
+            </a:r>
+          </a:p>
+          <a:p>
+            <a:r>
+              <a:rPr lang="en-US" sz="1500" dirty="0"/>
+              <a:t> </a:t>
+            </a:r>
+            <a:r>
+              <a:rPr lang="en-US" sz="1500" dirty="0" smtClean="0"/>
+              <a:t>  // check Authentication</a:t>
+            </a:r>
+            <a:endParaRPr lang="en-US" sz="1500" dirty="0"/>
+          </a:p>
+          <a:p>
+            <a:r>
+              <a:rPr lang="en-US" sz="1500" dirty="0" smtClean="0"/>
+              <a:t>}</a:t>
+            </a:r>
+          </a:p>
+          <a:p>
+            <a:endParaRPr lang="en-US" sz="1500" dirty="0" smtClean="0"/>
+          </a:p>
+          <a:p>
+            <a:r>
+              <a:rPr lang="en-US" sz="1500" dirty="0" err="1" smtClean="0"/>
+              <a:t>App.get</a:t>
+            </a:r>
+            <a:r>
+              <a:rPr lang="en-US" sz="1500" dirty="0" smtClean="0"/>
+              <a:t>(‘admin’, </a:t>
+            </a:r>
+            <a:r>
+              <a:rPr lang="en-US" sz="1500" dirty="0" err="1" smtClean="0">
+                <a:solidFill>
+                  <a:schemeClr val="accent4">
+                    <a:lumMod val="60000"/>
+                    <a:lumOff val="40000"/>
+                  </a:schemeClr>
+                </a:solidFill>
+              </a:rPr>
+              <a:t>mAuth</a:t>
+            </a:r>
+            <a:r>
+              <a:rPr lang="en-US" sz="1500" dirty="0" smtClean="0"/>
+              <a:t>, (</a:t>
+            </a:r>
+            <a:r>
+              <a:rPr lang="en-US" sz="1500" dirty="0" err="1" smtClean="0"/>
+              <a:t>req</a:t>
+            </a:r>
+            <a:r>
+              <a:rPr lang="en-US" sz="1500" dirty="0" smtClean="0"/>
+              <a:t>, res, next){</a:t>
+            </a:r>
+          </a:p>
+          <a:p>
+            <a:r>
+              <a:rPr lang="en-US" sz="1500" dirty="0" smtClean="0"/>
+              <a:t>   // return admin dashboard</a:t>
+            </a:r>
+          </a:p>
+          <a:p>
+            <a:r>
+              <a:rPr lang="en-US" sz="1500" dirty="0" smtClean="0"/>
+              <a:t>})</a:t>
+            </a:r>
+            <a:endParaRPr lang="en-US" sz="1500" dirty="0"/>
+          </a:p>
+        </p:txBody>
+      </p:sp>
+      <p:sp>
+        <p:nvSpPr>
+          <p:cNvPr id="3" name="Oval 2"/>
+          <p:cNvSpPr/>
+          <p:nvPr/>
+        </p:nvSpPr>
+        <p:spPr>
+          <a:xfrm>
+            <a:off x="4669277" y="3056125"/>
+            <a:ext cx="282102" cy="294696"/>
+          </a:xfrm>
+          <a:prstGeom prst="ellipse">
+            <a:avLst/>
+          </a:prstGeom>
+          <a:solidFill>
+            <a:schemeClr val="accent4">
+              <a:lumMod val="60000"/>
+              <a:lumOff val="40000"/>
+            </a:schemeClr>
+          </a:solidFill>
+        </p:spPr>
+        <p:style>
+          <a:lnRef idx="2">
+            <a:schemeClr val="accent1">
+              <a:shade val="50000"/>
+            </a:schemeClr>
+          </a:lnRef>
+          <a:fillRef idx="1">
+            <a:schemeClr val="accent1"/>
+          </a:fillRef>
+          <a:effectRef idx="0">
+            <a:schemeClr val="accent1"/>
+          </a:effectRef>
+          <a:fontRef idx="minor">
+            <a:schemeClr val="lt1"/>
+          </a:fontRef>
+        </p:style>
+        <p:txBody>
+          <a:bodyPr rtlCol="0" anchor="ctr"/>
+          <a:lstStyle/>
+          <a:p>
+            <a:pPr algn="ctr"/>
+            <a:endParaRPr lang="en-US"/>
+          </a:p>
+        </p:txBody>
+      </p:sp>
+      <p:sp>
+        <p:nvSpPr>
+          <p:cNvPr id="13" name="Oval 12"/>
+          <p:cNvSpPr/>
+          <p:nvPr/>
+        </p:nvSpPr>
+        <p:spPr>
+          <a:xfrm>
+            <a:off x="4669277" y="3645517"/>
+            <a:ext cx="282102" cy="294696"/>
+          </a:xfrm>
+          <a:prstGeom prst="ellipse">
+            <a:avLst/>
+          </a:prstGeom>
+        </p:spPr>
+        <p:style>
+          <a:lnRef idx="2">
+            <a:schemeClr val="accent1">
+              <a:shade val="50000"/>
+            </a:schemeClr>
+          </a:lnRef>
+          <a:fillRef idx="1">
+            <a:schemeClr val="accent1"/>
+          </a:fillRef>
+          <a:effectRef idx="0">
+            <a:schemeClr val="accent1"/>
+          </a:effectRef>
+          <a:fontRef idx="minor">
+            <a:schemeClr val="lt1"/>
+          </a:fontRef>
+        </p:style>
+        <p:txBody>
+          <a:bodyPr rtlCol="0" anchor="ctr"/>
+          <a:lstStyle/>
+          <a:p>
+            <a:pPr algn="ctr"/>
+            <a:endParaRPr lang="en-US"/>
+          </a:p>
+        </p:txBody>
+      </p:sp>
+      <p:sp>
+        <p:nvSpPr>
+          <p:cNvPr id="14" name="Oval 13"/>
+          <p:cNvSpPr/>
+          <p:nvPr/>
+        </p:nvSpPr>
+        <p:spPr>
+          <a:xfrm>
+            <a:off x="4669277" y="4199799"/>
+            <a:ext cx="282102" cy="294696"/>
+          </a:xfrm>
+          <a:prstGeom prst="ellipse">
+            <a:avLst/>
+          </a:prstGeom>
+        </p:spPr>
+        <p:style>
+          <a:lnRef idx="2">
+            <a:schemeClr val="accent1">
+              <a:shade val="50000"/>
+            </a:schemeClr>
+          </a:lnRef>
+          <a:fillRef idx="1">
+            <a:schemeClr val="accent1"/>
+          </a:fillRef>
+          <a:effectRef idx="0">
+            <a:schemeClr val="accent1"/>
+          </a:effectRef>
+          <a:fontRef idx="minor">
+            <a:schemeClr val="lt1"/>
+          </a:fontRef>
+        </p:style>
+        <p:txBody>
+          <a:bodyPr rtlCol="0" anchor="ctr"/>
+          <a:lstStyle/>
+          <a:p>
+            <a:pPr algn="ctr"/>
+            <a:endParaRPr lang="en-US"/>
+          </a:p>
+        </p:txBody>
+      </p:sp>
+      <p:sp>
+        <p:nvSpPr>
+          <p:cNvPr id="15" name="Oval 14"/>
+          <p:cNvSpPr/>
+          <p:nvPr/>
+        </p:nvSpPr>
+        <p:spPr>
+          <a:xfrm>
+            <a:off x="4669277" y="4754081"/>
+            <a:ext cx="282102" cy="294696"/>
+          </a:xfrm>
+          <a:prstGeom prst="ellipse">
+            <a:avLst/>
+          </a:prstGeom>
+        </p:spPr>
+        <p:style>
+          <a:lnRef idx="2">
+            <a:schemeClr val="accent1">
+              <a:shade val="50000"/>
+            </a:schemeClr>
+          </a:lnRef>
+          <a:fillRef idx="1">
+            <a:schemeClr val="accent1"/>
+          </a:fillRef>
+          <a:effectRef idx="0">
+            <a:schemeClr val="accent1"/>
+          </a:effectRef>
+          <a:fontRef idx="minor">
+            <a:schemeClr val="lt1"/>
+          </a:fontRef>
+        </p:style>
+        <p:txBody>
+          <a:bodyPr rtlCol="0" anchor="ctr"/>
+          <a:lstStyle/>
+          <a:p>
+            <a:pPr algn="ctr"/>
+            <a:endParaRPr lang="en-US"/>
+          </a:p>
+        </p:txBody>
+      </p:sp>
+      <p:cxnSp>
+        <p:nvCxnSpPr>
+          <p:cNvPr id="16" name="Straight Arrow Connector 15"/>
+          <p:cNvCxnSpPr>
+            <a:stCxn id="3" idx="4"/>
+            <a:endCxn id="13" idx="0"/>
+          </p:cNvCxnSpPr>
+          <p:nvPr/>
+        </p:nvCxnSpPr>
+        <p:spPr>
+          <a:xfrm>
+            <a:off x="4810328" y="3350821"/>
+            <a:ext cx="0" cy="294696"/>
+          </a:xfrm>
+          <a:prstGeom prst="straightConnector1">
+            <a:avLst/>
+          </a:prstGeom>
+          <a:ln>
+            <a:tailEnd type="triangle"/>
+          </a:ln>
+        </p:spPr>
+        <p:style>
+          <a:lnRef idx="1">
+            <a:schemeClr val="accent1"/>
+          </a:lnRef>
+          <a:fillRef idx="0">
+            <a:schemeClr val="accent1"/>
+          </a:fillRef>
+          <a:effectRef idx="0">
+            <a:schemeClr val="accent1"/>
+          </a:effectRef>
+          <a:fontRef idx="minor">
+            <a:schemeClr val="tx1"/>
+          </a:fontRef>
+        </p:style>
+      </p:cxnSp>
+      <p:cxnSp>
+        <p:nvCxnSpPr>
+          <p:cNvPr id="18" name="Straight Arrow Connector 17"/>
+          <p:cNvCxnSpPr>
+            <a:stCxn id="13" idx="4"/>
+            <a:endCxn id="14" idx="0"/>
+          </p:cNvCxnSpPr>
+          <p:nvPr/>
+        </p:nvCxnSpPr>
+        <p:spPr>
+          <a:xfrm>
+            <a:off x="4810328" y="3940213"/>
+            <a:ext cx="0" cy="259586"/>
+          </a:xfrm>
+          <a:prstGeom prst="straightConnector1">
+            <a:avLst/>
+          </a:prstGeom>
+          <a:ln>
+            <a:tailEnd type="triangle"/>
+          </a:ln>
+        </p:spPr>
+        <p:style>
+          <a:lnRef idx="1">
+            <a:schemeClr val="accent1"/>
+          </a:lnRef>
+          <a:fillRef idx="0">
+            <a:schemeClr val="accent1"/>
+          </a:fillRef>
+          <a:effectRef idx="0">
+            <a:schemeClr val="accent1"/>
+          </a:effectRef>
+          <a:fontRef idx="minor">
+            <a:schemeClr val="tx1"/>
+          </a:fontRef>
+        </p:style>
+      </p:cxnSp>
+      <p:cxnSp>
+        <p:nvCxnSpPr>
+          <p:cNvPr id="20" name="Straight Arrow Connector 19"/>
+          <p:cNvCxnSpPr>
+            <a:stCxn id="14" idx="4"/>
+            <a:endCxn id="15" idx="0"/>
+          </p:cNvCxnSpPr>
+          <p:nvPr/>
+        </p:nvCxnSpPr>
+        <p:spPr>
+          <a:xfrm>
+            <a:off x="4810328" y="4494495"/>
+            <a:ext cx="0" cy="259586"/>
+          </a:xfrm>
+          <a:prstGeom prst="straightConnector1">
+            <a:avLst/>
+          </a:prstGeom>
+          <a:ln>
+            <a:tailEnd type="triangle"/>
+          </a:ln>
+        </p:spPr>
+        <p:style>
+          <a:lnRef idx="1">
+            <a:schemeClr val="accent1"/>
+          </a:lnRef>
+          <a:fillRef idx="0">
+            <a:schemeClr val="accent1"/>
+          </a:fillRef>
+          <a:effectRef idx="0">
+            <a:schemeClr val="accent1"/>
+          </a:effectRef>
+          <a:fontRef idx="minor">
+            <a:schemeClr val="tx1"/>
+          </a:fontRef>
+        </p:style>
+      </p:cxnSp>
+      <p:sp>
+        <p:nvSpPr>
+          <p:cNvPr id="28" name="Oval 27"/>
+          <p:cNvSpPr/>
+          <p:nvPr/>
+        </p:nvSpPr>
+        <p:spPr>
+          <a:xfrm>
+            <a:off x="11494326" y="3056125"/>
+            <a:ext cx="282102" cy="294696"/>
+          </a:xfrm>
+          <a:prstGeom prst="ellipse">
+            <a:avLst/>
+          </a:prstGeom>
+          <a:solidFill>
+            <a:schemeClr val="accent1"/>
+          </a:solidFill>
+        </p:spPr>
+        <p:style>
+          <a:lnRef idx="2">
+            <a:schemeClr val="accent1">
+              <a:shade val="50000"/>
+            </a:schemeClr>
+          </a:lnRef>
+          <a:fillRef idx="1">
+            <a:schemeClr val="accent1"/>
+          </a:fillRef>
+          <a:effectRef idx="0">
+            <a:schemeClr val="accent1"/>
+          </a:effectRef>
+          <a:fontRef idx="minor">
+            <a:schemeClr val="lt1"/>
+          </a:fontRef>
+        </p:style>
+        <p:txBody>
+          <a:bodyPr rtlCol="0" anchor="ctr"/>
+          <a:lstStyle/>
+          <a:p>
+            <a:pPr algn="ctr"/>
+            <a:endParaRPr lang="en-US"/>
+          </a:p>
+        </p:txBody>
+      </p:sp>
+      <p:sp>
+        <p:nvSpPr>
+          <p:cNvPr id="29" name="Oval 28"/>
+          <p:cNvSpPr/>
+          <p:nvPr/>
+        </p:nvSpPr>
+        <p:spPr>
+          <a:xfrm>
+            <a:off x="11494326" y="3645517"/>
+            <a:ext cx="282102" cy="294696"/>
+          </a:xfrm>
+          <a:prstGeom prst="ellipse">
+            <a:avLst/>
+          </a:prstGeom>
+        </p:spPr>
+        <p:style>
+          <a:lnRef idx="2">
+            <a:schemeClr val="accent1">
+              <a:shade val="50000"/>
+            </a:schemeClr>
+          </a:lnRef>
+          <a:fillRef idx="1">
+            <a:schemeClr val="accent1"/>
+          </a:fillRef>
+          <a:effectRef idx="0">
+            <a:schemeClr val="accent1"/>
+          </a:effectRef>
+          <a:fontRef idx="minor">
+            <a:schemeClr val="lt1"/>
+          </a:fontRef>
+        </p:style>
+        <p:txBody>
+          <a:bodyPr rtlCol="0" anchor="ctr"/>
+          <a:lstStyle/>
+          <a:p>
+            <a:pPr algn="ctr"/>
+            <a:endParaRPr lang="en-US"/>
+          </a:p>
+        </p:txBody>
+      </p:sp>
+      <p:sp>
+        <p:nvSpPr>
+          <p:cNvPr id="30" name="Oval 29"/>
+          <p:cNvSpPr/>
+          <p:nvPr/>
+        </p:nvSpPr>
+        <p:spPr>
+          <a:xfrm>
+            <a:off x="11494326" y="4199799"/>
+            <a:ext cx="282102" cy="294696"/>
+          </a:xfrm>
+          <a:prstGeom prst="ellipse">
+            <a:avLst/>
+          </a:prstGeom>
+        </p:spPr>
+        <p:style>
+          <a:lnRef idx="2">
+            <a:schemeClr val="accent1">
+              <a:shade val="50000"/>
+            </a:schemeClr>
+          </a:lnRef>
+          <a:fillRef idx="1">
+            <a:schemeClr val="accent1"/>
+          </a:fillRef>
+          <a:effectRef idx="0">
+            <a:schemeClr val="accent1"/>
+          </a:effectRef>
+          <a:fontRef idx="minor">
+            <a:schemeClr val="lt1"/>
+          </a:fontRef>
+        </p:style>
+        <p:txBody>
+          <a:bodyPr rtlCol="0" anchor="ctr"/>
+          <a:lstStyle/>
+          <a:p>
+            <a:pPr algn="ctr"/>
+            <a:endParaRPr lang="en-US"/>
+          </a:p>
+        </p:txBody>
+      </p:sp>
+      <p:sp>
+        <p:nvSpPr>
+          <p:cNvPr id="31" name="Oval 30"/>
+          <p:cNvSpPr/>
+          <p:nvPr/>
+        </p:nvSpPr>
+        <p:spPr>
+          <a:xfrm>
+            <a:off x="10936069" y="4070006"/>
+            <a:ext cx="282102" cy="294696"/>
+          </a:xfrm>
+          <a:prstGeom prst="ellipse">
+            <a:avLst/>
+          </a:prstGeom>
+          <a:solidFill>
+            <a:schemeClr val="accent4">
+              <a:lumMod val="60000"/>
+              <a:lumOff val="40000"/>
+            </a:schemeClr>
+          </a:solidFill>
+        </p:spPr>
+        <p:style>
+          <a:lnRef idx="2">
+            <a:schemeClr val="accent1">
+              <a:shade val="50000"/>
+            </a:schemeClr>
+          </a:lnRef>
+          <a:fillRef idx="1">
+            <a:schemeClr val="accent1"/>
+          </a:fillRef>
+          <a:effectRef idx="0">
+            <a:schemeClr val="accent1"/>
+          </a:effectRef>
+          <a:fontRef idx="minor">
+            <a:schemeClr val="lt1"/>
+          </a:fontRef>
+        </p:style>
+        <p:txBody>
+          <a:bodyPr rtlCol="0" anchor="ctr"/>
+          <a:lstStyle/>
+          <a:p>
+            <a:pPr algn="ctr"/>
+            <a:endParaRPr lang="en-US"/>
+          </a:p>
+        </p:txBody>
+      </p:sp>
+      <p:cxnSp>
+        <p:nvCxnSpPr>
+          <p:cNvPr id="32" name="Straight Arrow Connector 31"/>
+          <p:cNvCxnSpPr>
+            <a:stCxn id="29" idx="4"/>
+          </p:cNvCxnSpPr>
+          <p:nvPr/>
+        </p:nvCxnSpPr>
+        <p:spPr>
+          <a:xfrm>
+            <a:off x="11635377" y="3350821"/>
+            <a:ext cx="0" cy="294696"/>
+          </a:xfrm>
+          <a:prstGeom prst="straightConnector1">
+            <a:avLst/>
+          </a:prstGeom>
+          <a:ln>
+            <a:tailEnd type="triangle"/>
+          </a:ln>
+        </p:spPr>
+        <p:style>
+          <a:lnRef idx="1">
+            <a:schemeClr val="accent1"/>
+          </a:lnRef>
+          <a:fillRef idx="0">
+            <a:schemeClr val="accent1"/>
+          </a:fillRef>
+          <a:effectRef idx="0">
+            <a:schemeClr val="accent1"/>
+          </a:effectRef>
+          <a:fontRef idx="minor">
+            <a:schemeClr val="tx1"/>
+          </a:fontRef>
+        </p:style>
+      </p:cxnSp>
+      <p:cxnSp>
+        <p:nvCxnSpPr>
+          <p:cNvPr id="33" name="Straight Arrow Connector 32"/>
+          <p:cNvCxnSpPr>
+            <a:stCxn id="31" idx="6"/>
+            <a:endCxn id="30" idx="2"/>
+          </p:cNvCxnSpPr>
+          <p:nvPr/>
+        </p:nvCxnSpPr>
+        <p:spPr>
+          <a:xfrm>
+            <a:off x="11218171" y="4217354"/>
+            <a:ext cx="276155" cy="129793"/>
+          </a:xfrm>
+          <a:prstGeom prst="straightConnector1">
+            <a:avLst/>
+          </a:prstGeom>
+          <a:ln>
+            <a:tailEnd type="triangle"/>
+          </a:ln>
+        </p:spPr>
+        <p:style>
+          <a:lnRef idx="1">
+            <a:schemeClr val="accent1"/>
+          </a:lnRef>
+          <a:fillRef idx="0">
+            <a:schemeClr val="accent1"/>
+          </a:fillRef>
+          <a:effectRef idx="0">
+            <a:schemeClr val="accent1"/>
+          </a:effectRef>
+          <a:fontRef idx="minor">
+            <a:schemeClr val="tx1"/>
+          </a:fontRef>
+        </p:style>
+      </p:cxnSp>
+      <p:cxnSp>
+        <p:nvCxnSpPr>
+          <p:cNvPr id="34" name="Straight Arrow Connector 33"/>
+          <p:cNvCxnSpPr>
+            <a:endCxn id="35" idx="0"/>
+          </p:cNvCxnSpPr>
+          <p:nvPr/>
+        </p:nvCxnSpPr>
+        <p:spPr>
+          <a:xfrm>
+            <a:off x="11635377" y="4494495"/>
+            <a:ext cx="0" cy="257994"/>
+          </a:xfrm>
+          <a:prstGeom prst="straightConnector1">
+            <a:avLst/>
+          </a:prstGeom>
+          <a:ln>
+            <a:tailEnd type="triangle"/>
+          </a:ln>
+        </p:spPr>
+        <p:style>
+          <a:lnRef idx="1">
+            <a:schemeClr val="accent1"/>
+          </a:lnRef>
+          <a:fillRef idx="0">
+            <a:schemeClr val="accent1"/>
+          </a:fillRef>
+          <a:effectRef idx="0">
+            <a:schemeClr val="accent1"/>
+          </a:effectRef>
+          <a:fontRef idx="minor">
+            <a:schemeClr val="tx1"/>
+          </a:fontRef>
+        </p:style>
+      </p:cxnSp>
+      <p:sp>
+        <p:nvSpPr>
+          <p:cNvPr id="35" name="Oval 34"/>
+          <p:cNvSpPr/>
+          <p:nvPr/>
+        </p:nvSpPr>
+        <p:spPr>
+          <a:xfrm>
+            <a:off x="11494326" y="4752489"/>
+            <a:ext cx="282102" cy="294696"/>
+          </a:xfrm>
+          <a:prstGeom prst="ellipse">
+            <a:avLst/>
+          </a:prstGeom>
+        </p:spPr>
+        <p:style>
+          <a:lnRef idx="2">
+            <a:schemeClr val="accent1">
+              <a:shade val="50000"/>
+            </a:schemeClr>
+          </a:lnRef>
+          <a:fillRef idx="1">
+            <a:schemeClr val="accent1"/>
+          </a:fillRef>
+          <a:effectRef idx="0">
+            <a:schemeClr val="accent1"/>
+          </a:effectRef>
+          <a:fontRef idx="minor">
+            <a:schemeClr val="lt1"/>
+          </a:fontRef>
+        </p:style>
+        <p:txBody>
+          <a:bodyPr rtlCol="0" anchor="ctr"/>
+          <a:lstStyle/>
+          <a:p>
+            <a:pPr algn="ctr"/>
+            <a:endParaRPr lang="en-US"/>
+          </a:p>
+        </p:txBody>
+      </p:sp>
+      <p:cxnSp>
+        <p:nvCxnSpPr>
+          <p:cNvPr id="37" name="Straight Arrow Connector 36"/>
+          <p:cNvCxnSpPr>
+            <a:stCxn id="29" idx="2"/>
+            <a:endCxn id="31" idx="0"/>
+          </p:cNvCxnSpPr>
+          <p:nvPr/>
+        </p:nvCxnSpPr>
+        <p:spPr>
+          <a:xfrm flipH="1">
+            <a:off x="11077120" y="3792865"/>
+            <a:ext cx="417206" cy="277141"/>
+          </a:xfrm>
+          <a:prstGeom prst="straightConnector1">
+            <a:avLst/>
+          </a:prstGeom>
+          <a:ln>
+            <a:tailEnd type="triangle"/>
+          </a:ln>
+        </p:spPr>
+        <p:style>
+          <a:lnRef idx="1">
+            <a:schemeClr val="accent1"/>
+          </a:lnRef>
+          <a:fillRef idx="0">
+            <a:schemeClr val="accent1"/>
+          </a:fillRef>
+          <a:effectRef idx="0">
+            <a:schemeClr val="accent1"/>
+          </a:effectRef>
+          <a:fontRef idx="minor">
+            <a:schemeClr val="tx1"/>
+          </a:fontRef>
+        </p:style>
+      </p:cxnSp>
+    </p:spTree>
+    <p:extLst>
+      <p:ext uri="{BB962C8B-B14F-4D97-AF65-F5344CB8AC3E}">
+        <p14:creationId xmlns:p14="http://schemas.microsoft.com/office/powerpoint/2010/main" val="1459356740"/>
+      </p:ext>
+    </p:extLst>
+  </p:cSld>
+  <p:clrMapOvr>
+    <a:masterClrMapping/>
+  </p:clrMapOvr>
+  <p:timing>
+    <p:tnLst>
+      <p:par>
+        <p:cTn id="1" dur="indefinite" restart="never" nodeType="tmRoot"/>
+      </p:par>
+    </p:tnLst>
+  </p:timing>
+</p:sld>
+</file>
+
+<file path=ppt/slides/slide16.xml><?xml version="1.0" encoding="utf-8"?>
+<p:sld xmlns:a="http://schemas.openxmlformats.org/drawingml/2006/main" xmlns:r="http://schemas.openxmlformats.org/officeDocument/2006/relationships" xmlns:p="http://schemas.openxmlformats.org/presentationml/2006/main">
+  <p:cSld>
+    <p:spTree>
+      <p:nvGrpSpPr>
+        <p:cNvPr id="1" name=""/>
+        <p:cNvGrpSpPr/>
+        <p:nvPr/>
+      </p:nvGrpSpPr>
+      <p:grpSpPr>
+        <a:xfrm>
+          <a:off x="0" y="0"/>
+          <a:ext cx="0" cy="0"/>
+          <a:chOff x="0" y="0"/>
+          <a:chExt cx="0" cy="0"/>
+        </a:xfrm>
+      </p:grpSpPr>
+      <p:sp>
+        <p:nvSpPr>
+          <p:cNvPr id="2" name="Title 1"/>
+          <p:cNvSpPr>
+            <a:spLocks noGrp="1"/>
+          </p:cNvSpPr>
+          <p:nvPr>
+            <p:ph type="title"/>
+          </p:nvPr>
+        </p:nvSpPr>
+        <p:spPr>
+          <a:xfrm>
+            <a:off x="838200" y="365125"/>
+            <a:ext cx="10515600" cy="577267"/>
+          </a:xfrm>
+        </p:spPr>
+        <p:txBody>
+          <a:bodyPr>
+            <a:normAutofit fontScale="90000"/>
+          </a:bodyPr>
+          <a:lstStyle/>
+          <a:p>
+            <a:r>
+              <a:rPr lang="en-US" sz="5400" b="1" dirty="0" smtClean="0"/>
+              <a:t>Demo Simple Express Server  </a:t>
+            </a:r>
+          </a:p>
+        </p:txBody>
+      </p:sp>
+      <p:sp>
+        <p:nvSpPr>
+          <p:cNvPr id="4" name="AutoShape 4" descr="Image result for socket io"/>
+          <p:cNvSpPr>
+            <a:spLocks noChangeAspect="1" noChangeArrowheads="1"/>
+          </p:cNvSpPr>
+          <p:nvPr/>
+        </p:nvSpPr>
+        <p:spPr bwMode="auto">
+          <a:xfrm>
+            <a:off x="155575" y="-144463"/>
+            <a:ext cx="304800" cy="304801"/>
+          </a:xfrm>
+          <a:prstGeom prst="rect">
+            <a:avLst/>
+          </a:prstGeom>
+          <a:noFill/>
+          <a:extLst>
+            <a:ext uri="{909E8E84-426E-40DD-AFC4-6F175D3DCCD1}">
+              <a14:hiddenFill xmlns:a14="http://schemas.microsoft.com/office/drawing/2010/main">
+                <a:solidFill>
+                  <a:srgbClr val="FFFFFF"/>
+                </a:solidFill>
+              </a14:hiddenFill>
+            </a:ext>
+          </a:extLst>
+        </p:spPr>
+        <p:txBody>
+          <a:bodyPr vert="horz" wrap="square" lIns="91440" tIns="45720" rIns="91440" bIns="45720" numCol="1" anchor="t" anchorCtr="0" compatLnSpc="1">
+            <a:prstTxWarp prst="textNoShape">
+              <a:avLst/>
+            </a:prstTxWarp>
+          </a:bodyPr>
+          <a:lstStyle/>
+          <a:p>
+            <a:endParaRPr lang="en-US"/>
+          </a:p>
+        </p:txBody>
+      </p:sp>
+      <p:sp>
+        <p:nvSpPr>
+          <p:cNvPr id="7" name="TextBox 6"/>
+          <p:cNvSpPr txBox="1"/>
+          <p:nvPr/>
+        </p:nvSpPr>
+        <p:spPr>
+          <a:xfrm>
+            <a:off x="969218" y="1647522"/>
+            <a:ext cx="3454501" cy="461665"/>
+          </a:xfrm>
+          <a:prstGeom prst="rect">
+            <a:avLst/>
+          </a:prstGeom>
+          <a:noFill/>
+        </p:spPr>
+        <p:txBody>
+          <a:bodyPr wrap="square" rtlCol="0">
+            <a:spAutoFit/>
+          </a:bodyPr>
+          <a:lstStyle/>
+          <a:p>
+            <a:pPr marL="285750" indent="-285750">
+              <a:buFont typeface="Arial" panose="020B0604020202020204" pitchFamily="34" charset="0"/>
+              <a:buChar char="•"/>
+            </a:pPr>
+            <a:r>
+              <a:rPr lang="en-US" sz="2400" dirty="0" smtClean="0"/>
+              <a:t>Express </a:t>
+            </a:r>
+            <a:r>
+              <a:rPr lang="en-US" sz="2400" dirty="0" smtClean="0"/>
+              <a:t>JS-middleware:</a:t>
+            </a:r>
+            <a:endParaRPr lang="en-US" sz="2400" dirty="0" smtClean="0"/>
+          </a:p>
+        </p:txBody>
+      </p:sp>
+      <p:sp>
+        <p:nvSpPr>
+          <p:cNvPr id="5" name="TextBox 4"/>
+          <p:cNvSpPr txBox="1"/>
+          <p:nvPr/>
+        </p:nvSpPr>
+        <p:spPr>
+          <a:xfrm>
+            <a:off x="3608943" y="2314405"/>
+            <a:ext cx="5942829" cy="461665"/>
+          </a:xfrm>
+          <a:prstGeom prst="rect">
+            <a:avLst/>
+          </a:prstGeom>
+          <a:noFill/>
+        </p:spPr>
+        <p:txBody>
+          <a:bodyPr wrap="square" rtlCol="0">
+            <a:spAutoFit/>
+          </a:bodyPr>
+          <a:lstStyle/>
+          <a:p>
+            <a:r>
+              <a:rPr lang="en-US" sz="2400" dirty="0" smtClean="0"/>
+              <a:t>Error handling</a:t>
+            </a:r>
+            <a:r>
+              <a:rPr lang="en-US" sz="2400" b="1" dirty="0"/>
+              <a:t> </a:t>
+            </a:r>
+            <a:r>
+              <a:rPr lang="en-US" sz="2400" dirty="0" smtClean="0"/>
+              <a:t>Middleware (</a:t>
+            </a:r>
+            <a:r>
+              <a:rPr lang="en-US" sz="2400" dirty="0" smtClean="0">
+                <a:solidFill>
+                  <a:srgbClr val="FF0000"/>
+                </a:solidFill>
+              </a:rPr>
+              <a:t>4 parameters</a:t>
+            </a:r>
+            <a:r>
+              <a:rPr lang="en-US" sz="2400" dirty="0" smtClean="0"/>
+              <a:t>)</a:t>
+            </a:r>
+            <a:endParaRPr lang="en-US" sz="2400" dirty="0"/>
+          </a:p>
+        </p:txBody>
+      </p:sp>
+      <p:sp>
+        <p:nvSpPr>
+          <p:cNvPr id="10" name="Rounded Rectangle 9"/>
+          <p:cNvSpPr/>
+          <p:nvPr/>
+        </p:nvSpPr>
+        <p:spPr>
+          <a:xfrm>
+            <a:off x="3608944" y="2981288"/>
+            <a:ext cx="3670812" cy="2484235"/>
+          </a:xfrm>
+          <a:prstGeom prst="roundRect">
+            <a:avLst/>
+          </a:prstGeom>
+          <a:solidFill>
+            <a:schemeClr val="tx1">
+              <a:lumMod val="75000"/>
+              <a:lumOff val="25000"/>
+            </a:schemeClr>
+          </a:solidFill>
+          <a:ln w="50800">
+            <a:solidFill>
+              <a:schemeClr val="bg1">
+                <a:lumMod val="65000"/>
+              </a:schemeClr>
+            </a:solidFill>
+          </a:ln>
+        </p:spPr>
+        <p:style>
+          <a:lnRef idx="2">
+            <a:schemeClr val="accent1">
+              <a:shade val="50000"/>
+            </a:schemeClr>
+          </a:lnRef>
+          <a:fillRef idx="1">
+            <a:schemeClr val="accent1"/>
+          </a:fillRef>
+          <a:effectRef idx="0">
+            <a:schemeClr val="accent1"/>
+          </a:effectRef>
+          <a:fontRef idx="minor">
+            <a:schemeClr val="lt1"/>
+          </a:fontRef>
+        </p:style>
+        <p:txBody>
+          <a:bodyPr rtlCol="0" anchor="ctr"/>
+          <a:lstStyle/>
+          <a:p>
+            <a:r>
+              <a:rPr lang="en-US" dirty="0" err="1" smtClean="0"/>
+              <a:t>app.use</a:t>
+            </a:r>
+            <a:r>
+              <a:rPr lang="en-US" dirty="0" smtClean="0"/>
+              <a:t> ((</a:t>
+            </a:r>
+            <a:r>
+              <a:rPr lang="en-US" dirty="0"/>
+              <a:t>err</a:t>
+            </a:r>
+            <a:r>
+              <a:rPr lang="en-US" dirty="0"/>
+              <a:t>, </a:t>
+            </a:r>
+            <a:r>
+              <a:rPr lang="en-US" dirty="0" err="1"/>
+              <a:t>req</a:t>
+            </a:r>
+            <a:r>
+              <a:rPr lang="en-US" dirty="0"/>
+              <a:t>, </a:t>
+            </a:r>
+            <a:r>
+              <a:rPr lang="en-US" dirty="0"/>
+              <a:t>res</a:t>
+            </a:r>
+            <a:r>
+              <a:rPr lang="en-US" dirty="0"/>
+              <a:t>, </a:t>
+            </a:r>
+            <a:r>
+              <a:rPr lang="en-US" dirty="0"/>
+              <a:t>next</a:t>
+            </a:r>
+            <a:r>
+              <a:rPr lang="en-US" dirty="0"/>
+              <a:t>) =&gt; {</a:t>
+            </a:r>
+            <a:br>
+              <a:rPr lang="en-US" dirty="0"/>
+            </a:br>
+            <a:r>
+              <a:rPr lang="en-US" dirty="0"/>
+              <a:t>  </a:t>
+            </a:r>
+            <a:r>
+              <a:rPr lang="en-US" i="1" dirty="0"/>
+              <a:t>if </a:t>
+            </a:r>
+            <a:r>
+              <a:rPr lang="en-US" dirty="0"/>
+              <a:t>(</a:t>
+            </a:r>
+            <a:r>
+              <a:rPr lang="en-US" dirty="0"/>
+              <a:t>err</a:t>
+            </a:r>
+            <a:r>
+              <a:rPr lang="en-US" dirty="0"/>
+              <a:t>) {</a:t>
+            </a:r>
+            <a:br>
+              <a:rPr lang="en-US" dirty="0"/>
+            </a:br>
+            <a:r>
+              <a:rPr lang="en-US" dirty="0"/>
+              <a:t>    </a:t>
+            </a:r>
+            <a:r>
+              <a:rPr lang="en-US" dirty="0" err="1"/>
+              <a:t>res</a:t>
+            </a:r>
+            <a:r>
+              <a:rPr lang="en-US" dirty="0" err="1"/>
+              <a:t>.status</a:t>
+            </a:r>
+            <a:r>
+              <a:rPr lang="en-US" dirty="0"/>
+              <a:t>(</a:t>
+            </a:r>
+            <a:r>
+              <a:rPr lang="en-US" dirty="0" err="1"/>
+              <a:t>err</a:t>
+            </a:r>
+            <a:r>
+              <a:rPr lang="en-US" dirty="0" err="1"/>
+              <a:t>.status</a:t>
+            </a:r>
+            <a:r>
+              <a:rPr lang="en-US" dirty="0"/>
+              <a:t>).</a:t>
+            </a:r>
+            <a:r>
+              <a:rPr lang="en-US" dirty="0" err="1"/>
+              <a:t>json</a:t>
+            </a:r>
+            <a:r>
+              <a:rPr lang="en-US" dirty="0"/>
+              <a:t>(</a:t>
+            </a:r>
+            <a:r>
+              <a:rPr lang="en-US" dirty="0"/>
+              <a:t>err</a:t>
+            </a:r>
+            <a:r>
+              <a:rPr lang="en-US" dirty="0"/>
+              <a:t>)</a:t>
+            </a:r>
+            <a:br>
+              <a:rPr lang="en-US" dirty="0"/>
+            </a:br>
+            <a:r>
+              <a:rPr lang="en-US" dirty="0"/>
+              <a:t>  }</a:t>
+            </a:r>
+            <a:br>
+              <a:rPr lang="en-US" dirty="0"/>
+            </a:br>
+            <a:r>
+              <a:rPr lang="en-US" dirty="0"/>
+              <a:t>})</a:t>
+            </a:r>
+            <a:endParaRPr lang="en-US" dirty="0">
+              <a:solidFill>
+                <a:schemeClr val="accent4">
+                  <a:lumMod val="60000"/>
+                  <a:lumOff val="40000"/>
+                </a:schemeClr>
+              </a:solidFill>
+            </a:endParaRPr>
+          </a:p>
+        </p:txBody>
+      </p:sp>
+      <p:sp>
+        <p:nvSpPr>
+          <p:cNvPr id="3" name="Oval 2"/>
+          <p:cNvSpPr/>
+          <p:nvPr/>
+        </p:nvSpPr>
+        <p:spPr>
+          <a:xfrm>
+            <a:off x="8907644" y="2981288"/>
+            <a:ext cx="282102" cy="294696"/>
+          </a:xfrm>
+          <a:prstGeom prst="ellipse">
+            <a:avLst/>
+          </a:prstGeom>
+          <a:solidFill>
+            <a:schemeClr val="accent1"/>
+          </a:solidFill>
+        </p:spPr>
+        <p:style>
+          <a:lnRef idx="2">
+            <a:schemeClr val="accent1">
+              <a:shade val="50000"/>
+            </a:schemeClr>
+          </a:lnRef>
+          <a:fillRef idx="1">
+            <a:schemeClr val="accent1"/>
+          </a:fillRef>
+          <a:effectRef idx="0">
+            <a:schemeClr val="accent1"/>
+          </a:effectRef>
+          <a:fontRef idx="minor">
+            <a:schemeClr val="lt1"/>
+          </a:fontRef>
+        </p:style>
+        <p:txBody>
+          <a:bodyPr rtlCol="0" anchor="ctr"/>
+          <a:lstStyle/>
+          <a:p>
+            <a:pPr algn="ctr"/>
+            <a:endParaRPr lang="en-US"/>
+          </a:p>
+        </p:txBody>
+      </p:sp>
+      <p:sp>
+        <p:nvSpPr>
+          <p:cNvPr id="13" name="Oval 12"/>
+          <p:cNvSpPr/>
+          <p:nvPr/>
+        </p:nvSpPr>
+        <p:spPr>
+          <a:xfrm>
+            <a:off x="8907644" y="3570680"/>
+            <a:ext cx="282102" cy="294696"/>
+          </a:xfrm>
+          <a:prstGeom prst="ellipse">
+            <a:avLst/>
+          </a:prstGeom>
+        </p:spPr>
+        <p:style>
+          <a:lnRef idx="2">
+            <a:schemeClr val="accent1">
+              <a:shade val="50000"/>
+            </a:schemeClr>
+          </a:lnRef>
+          <a:fillRef idx="1">
+            <a:schemeClr val="accent1"/>
+          </a:fillRef>
+          <a:effectRef idx="0">
+            <a:schemeClr val="accent1"/>
+          </a:effectRef>
+          <a:fontRef idx="minor">
+            <a:schemeClr val="lt1"/>
+          </a:fontRef>
+        </p:style>
+        <p:txBody>
+          <a:bodyPr rtlCol="0" anchor="ctr"/>
+          <a:lstStyle/>
+          <a:p>
+            <a:pPr algn="ctr"/>
+            <a:endParaRPr lang="en-US"/>
+          </a:p>
+        </p:txBody>
+      </p:sp>
+      <p:sp>
+        <p:nvSpPr>
+          <p:cNvPr id="14" name="Oval 13"/>
+          <p:cNvSpPr/>
+          <p:nvPr/>
+        </p:nvSpPr>
+        <p:spPr>
+          <a:xfrm>
+            <a:off x="8907644" y="4124962"/>
+            <a:ext cx="282102" cy="294696"/>
+          </a:xfrm>
+          <a:prstGeom prst="ellipse">
+            <a:avLst/>
+          </a:prstGeom>
+        </p:spPr>
+        <p:style>
+          <a:lnRef idx="2">
+            <a:schemeClr val="accent1">
+              <a:shade val="50000"/>
+            </a:schemeClr>
+          </a:lnRef>
+          <a:fillRef idx="1">
+            <a:schemeClr val="accent1"/>
+          </a:fillRef>
+          <a:effectRef idx="0">
+            <a:schemeClr val="accent1"/>
+          </a:effectRef>
+          <a:fontRef idx="minor">
+            <a:schemeClr val="lt1"/>
+          </a:fontRef>
+        </p:style>
+        <p:txBody>
+          <a:bodyPr rtlCol="0" anchor="ctr"/>
+          <a:lstStyle/>
+          <a:p>
+            <a:pPr algn="ctr"/>
+            <a:endParaRPr lang="en-US"/>
+          </a:p>
+        </p:txBody>
+      </p:sp>
+      <p:sp>
+        <p:nvSpPr>
+          <p:cNvPr id="15" name="Oval 14"/>
+          <p:cNvSpPr/>
+          <p:nvPr/>
+        </p:nvSpPr>
+        <p:spPr>
+          <a:xfrm>
+            <a:off x="8907644" y="4679244"/>
+            <a:ext cx="282102" cy="294696"/>
+          </a:xfrm>
+          <a:prstGeom prst="ellipse">
+            <a:avLst/>
+          </a:prstGeom>
+          <a:solidFill>
+            <a:srgbClr val="FF0000"/>
+          </a:solidFill>
+        </p:spPr>
+        <p:style>
+          <a:lnRef idx="2">
+            <a:schemeClr val="accent1">
+              <a:shade val="50000"/>
+            </a:schemeClr>
+          </a:lnRef>
+          <a:fillRef idx="1">
+            <a:schemeClr val="accent1"/>
+          </a:fillRef>
+          <a:effectRef idx="0">
+            <a:schemeClr val="accent1"/>
+          </a:effectRef>
+          <a:fontRef idx="minor">
+            <a:schemeClr val="lt1"/>
+          </a:fontRef>
+        </p:style>
+        <p:txBody>
+          <a:bodyPr rtlCol="0" anchor="ctr"/>
+          <a:lstStyle/>
+          <a:p>
+            <a:pPr algn="ctr"/>
+            <a:endParaRPr lang="en-US"/>
+          </a:p>
+        </p:txBody>
+      </p:sp>
+      <p:cxnSp>
+        <p:nvCxnSpPr>
+          <p:cNvPr id="16" name="Straight Arrow Connector 15"/>
+          <p:cNvCxnSpPr>
+            <a:stCxn id="3" idx="4"/>
+            <a:endCxn id="13" idx="0"/>
+          </p:cNvCxnSpPr>
+          <p:nvPr/>
+        </p:nvCxnSpPr>
+        <p:spPr>
+          <a:xfrm>
+            <a:off x="9048695" y="3275984"/>
+            <a:ext cx="0" cy="294696"/>
+          </a:xfrm>
+          <a:prstGeom prst="straightConnector1">
+            <a:avLst/>
+          </a:prstGeom>
+          <a:ln>
+            <a:tailEnd type="triangle"/>
+          </a:ln>
+        </p:spPr>
+        <p:style>
+          <a:lnRef idx="1">
+            <a:schemeClr val="accent1"/>
+          </a:lnRef>
+          <a:fillRef idx="0">
+            <a:schemeClr val="accent1"/>
+          </a:fillRef>
+          <a:effectRef idx="0">
+            <a:schemeClr val="accent1"/>
+          </a:effectRef>
+          <a:fontRef idx="minor">
+            <a:schemeClr val="tx1"/>
+          </a:fontRef>
+        </p:style>
+      </p:cxnSp>
+      <p:cxnSp>
+        <p:nvCxnSpPr>
+          <p:cNvPr id="18" name="Straight Arrow Connector 17"/>
+          <p:cNvCxnSpPr>
+            <a:stCxn id="13" idx="4"/>
+            <a:endCxn id="14" idx="0"/>
+          </p:cNvCxnSpPr>
+          <p:nvPr/>
+        </p:nvCxnSpPr>
+        <p:spPr>
+          <a:xfrm>
+            <a:off x="9048695" y="3865376"/>
+            <a:ext cx="0" cy="259586"/>
+          </a:xfrm>
+          <a:prstGeom prst="straightConnector1">
+            <a:avLst/>
+          </a:prstGeom>
+          <a:ln>
+            <a:tailEnd type="triangle"/>
+          </a:ln>
+        </p:spPr>
+        <p:style>
+          <a:lnRef idx="1">
+            <a:schemeClr val="accent1"/>
+          </a:lnRef>
+          <a:fillRef idx="0">
+            <a:schemeClr val="accent1"/>
+          </a:fillRef>
+          <a:effectRef idx="0">
+            <a:schemeClr val="accent1"/>
+          </a:effectRef>
+          <a:fontRef idx="minor">
+            <a:schemeClr val="tx1"/>
+          </a:fontRef>
+        </p:style>
+      </p:cxnSp>
+      <p:cxnSp>
+        <p:nvCxnSpPr>
+          <p:cNvPr id="20" name="Straight Arrow Connector 19"/>
+          <p:cNvCxnSpPr>
+            <a:stCxn id="14" idx="4"/>
+            <a:endCxn id="15" idx="0"/>
+          </p:cNvCxnSpPr>
+          <p:nvPr/>
+        </p:nvCxnSpPr>
+        <p:spPr>
+          <a:xfrm>
+            <a:off x="9048695" y="4419658"/>
+            <a:ext cx="0" cy="259586"/>
+          </a:xfrm>
+          <a:prstGeom prst="straightConnector1">
+            <a:avLst/>
+          </a:prstGeom>
+          <a:ln>
+            <a:tailEnd type="triangle"/>
+          </a:ln>
+        </p:spPr>
+        <p:style>
+          <a:lnRef idx="1">
+            <a:schemeClr val="accent1"/>
+          </a:lnRef>
+          <a:fillRef idx="0">
+            <a:schemeClr val="accent1"/>
+          </a:fillRef>
+          <a:effectRef idx="0">
+            <a:schemeClr val="accent1"/>
+          </a:effectRef>
+          <a:fontRef idx="minor">
+            <a:schemeClr val="tx1"/>
+          </a:fontRef>
+        </p:style>
+      </p:cxnSp>
+      <p:cxnSp>
+        <p:nvCxnSpPr>
+          <p:cNvPr id="25" name="Straight Arrow Connector 24"/>
+          <p:cNvCxnSpPr>
+            <a:stCxn id="15" idx="2"/>
+          </p:cNvCxnSpPr>
+          <p:nvPr/>
+        </p:nvCxnSpPr>
+        <p:spPr>
+          <a:xfrm flipH="1" flipV="1">
+            <a:off x="6240162" y="4250724"/>
+            <a:ext cx="2667482" cy="575868"/>
+          </a:xfrm>
+          <a:prstGeom prst="straightConnector1">
+            <a:avLst/>
+          </a:prstGeom>
+          <a:ln>
+            <a:tailEnd type="triangle"/>
+          </a:ln>
+        </p:spPr>
+        <p:style>
+          <a:lnRef idx="1">
+            <a:schemeClr val="accent1"/>
+          </a:lnRef>
+          <a:fillRef idx="0">
+            <a:schemeClr val="accent1"/>
+          </a:fillRef>
+          <a:effectRef idx="0">
+            <a:schemeClr val="accent1"/>
+          </a:effectRef>
+          <a:fontRef idx="minor">
+            <a:schemeClr val="tx1"/>
+          </a:fontRef>
+        </p:style>
+      </p:cxnSp>
+    </p:spTree>
+    <p:extLst>
+      <p:ext uri="{BB962C8B-B14F-4D97-AF65-F5344CB8AC3E}">
+        <p14:creationId xmlns:p14="http://schemas.microsoft.com/office/powerpoint/2010/main" val="877531805"/>
+      </p:ext>
+    </p:extLst>
+  </p:cSld>
+  <p:clrMapOvr>
+    <a:masterClrMapping/>
+  </p:clrMapOvr>
+  <p:timing>
+    <p:tnLst>
+      <p:par>
+        <p:cTn id="1" dur="indefinite" restart="never" nodeType="tmRoot"/>
+      </p:par>
+    </p:tnLst>
+  </p:timing>
+</p:sld>
+</file>
+
+<file path=ppt/slides/slide17.xml><?xml version="1.0" encoding="utf-8"?>
+<p:sld xmlns:a="http://schemas.openxmlformats.org/drawingml/2006/main" xmlns:r="http://schemas.openxmlformats.org/officeDocument/2006/relationships" xmlns:p="http://schemas.openxmlformats.org/presentationml/2006/main">
+  <p:cSld>
+    <p:spTree>
+      <p:nvGrpSpPr>
+        <p:cNvPr id="1" name=""/>
+        <p:cNvGrpSpPr/>
+        <p:nvPr/>
+      </p:nvGrpSpPr>
+      <p:grpSpPr>
+        <a:xfrm>
+          <a:off x="0" y="0"/>
+          <a:ext cx="0" cy="0"/>
+          <a:chOff x="0" y="0"/>
+          <a:chExt cx="0" cy="0"/>
+        </a:xfrm>
+      </p:grpSpPr>
+      <p:sp>
+        <p:nvSpPr>
+          <p:cNvPr id="2" name="Title 1"/>
+          <p:cNvSpPr>
+            <a:spLocks noGrp="1"/>
+          </p:cNvSpPr>
+          <p:nvPr>
+            <p:ph type="title"/>
+          </p:nvPr>
+        </p:nvSpPr>
+        <p:spPr>
+          <a:xfrm>
+            <a:off x="838200" y="365125"/>
+            <a:ext cx="10515600" cy="577267"/>
+          </a:xfrm>
+        </p:spPr>
+        <p:txBody>
+          <a:bodyPr>
+            <a:normAutofit fontScale="90000"/>
+          </a:bodyPr>
+          <a:lstStyle/>
+          <a:p>
+            <a:r>
+              <a:rPr lang="en-US" sz="5400" b="1" dirty="0" smtClean="0"/>
               <a:t>References:</a:t>
             </a:r>
           </a:p>
@@ -5931,7 +7785,7 @@
 </p:sld>
 </file>
 
-<file path=ppt/slides/slide16.xml><?xml version="1.0" encoding="utf-8"?>
+<file path=ppt/slides/slide18.xml><?xml version="1.0" encoding="utf-8"?>
 <p:sld xmlns:a="http://schemas.openxmlformats.org/drawingml/2006/main" xmlns:r="http://schemas.openxmlformats.org/officeDocument/2006/relationships" xmlns:p="http://schemas.openxmlformats.org/presentationml/2006/main">
   <p:cSld>
     <p:spTree>
